--- a/Lesson 1/Lesson 1 - Introduction.pptx
+++ b/Lesson 1/Lesson 1 - Introduction.pptx
@@ -5,7 +5,7 @@
     <p:sldMasterId id="2147483648" r:id="rId1"/>
   </p:sldMasterIdLst>
   <p:notesMasterIdLst>
-    <p:notesMasterId r:id="rId26"/>
+    <p:notesMasterId r:id="rId25"/>
   </p:notesMasterIdLst>
   <p:sldIdLst>
     <p:sldId id="256" r:id="rId2"/>
@@ -15,23 +15,22 @@
     <p:sldId id="269" r:id="rId6"/>
     <p:sldId id="270" r:id="rId7"/>
     <p:sldId id="259" r:id="rId8"/>
-    <p:sldId id="265" r:id="rId9"/>
-    <p:sldId id="264" r:id="rId10"/>
-    <p:sldId id="262" r:id="rId11"/>
-    <p:sldId id="285" r:id="rId12"/>
-    <p:sldId id="281" r:id="rId13"/>
-    <p:sldId id="271" r:id="rId14"/>
-    <p:sldId id="280" r:id="rId15"/>
-    <p:sldId id="273" r:id="rId16"/>
-    <p:sldId id="276" r:id="rId17"/>
-    <p:sldId id="275" r:id="rId18"/>
-    <p:sldId id="278" r:id="rId19"/>
-    <p:sldId id="282" r:id="rId20"/>
-    <p:sldId id="277" r:id="rId21"/>
-    <p:sldId id="279" r:id="rId22"/>
-    <p:sldId id="283" r:id="rId23"/>
-    <p:sldId id="284" r:id="rId24"/>
-    <p:sldId id="260" r:id="rId25"/>
+    <p:sldId id="264" r:id="rId9"/>
+    <p:sldId id="262" r:id="rId10"/>
+    <p:sldId id="285" r:id="rId11"/>
+    <p:sldId id="281" r:id="rId12"/>
+    <p:sldId id="271" r:id="rId13"/>
+    <p:sldId id="280" r:id="rId14"/>
+    <p:sldId id="273" r:id="rId15"/>
+    <p:sldId id="276" r:id="rId16"/>
+    <p:sldId id="275" r:id="rId17"/>
+    <p:sldId id="278" r:id="rId18"/>
+    <p:sldId id="282" r:id="rId19"/>
+    <p:sldId id="277" r:id="rId20"/>
+    <p:sldId id="279" r:id="rId21"/>
+    <p:sldId id="283" r:id="rId22"/>
+    <p:sldId id="284" r:id="rId23"/>
+    <p:sldId id="260" r:id="rId24"/>
   </p:sldIdLst>
   <p:sldSz cx="12192000" cy="6858000"/>
   <p:notesSz cx="6858000" cy="9144000"/>
@@ -220,7 +219,7 @@
           <a:p>
             <a:fld id="{C69CDBFC-EEA4-453B-86B3-ADD4800CC39C}" type="datetimeFigureOut">
               <a:rPr lang="en-US" smtClean="0"/>
-              <a:t>1/10/2023</a:t>
+              <a:t>6/7/2023</a:t>
             </a:fld>
             <a:endParaRPr lang="en-US"/>
           </a:p>
@@ -555,7 +554,7 @@
           <a:p>
             <a:fld id="{33C91D93-7DFA-402D-9598-316B5992C3F4}" type="slidenum">
               <a:rPr lang="en-US" smtClean="0"/>
-              <a:t>16</a:t>
+              <a:t>15</a:t>
             </a:fld>
             <a:endParaRPr lang="en-US"/>
           </a:p>
@@ -639,7 +638,7 @@
           <a:p>
             <a:fld id="{33C91D93-7DFA-402D-9598-316B5992C3F4}" type="slidenum">
               <a:rPr lang="en-US" smtClean="0"/>
-              <a:t>17</a:t>
+              <a:t>16</a:t>
             </a:fld>
             <a:endParaRPr lang="en-US"/>
           </a:p>
@@ -746,7 +745,7 @@
           <a:p>
             <a:fld id="{33C91D93-7DFA-402D-9598-316B5992C3F4}" type="slidenum">
               <a:rPr lang="en-US" smtClean="0"/>
-              <a:t>20</a:t>
+              <a:t>19</a:t>
             </a:fld>
             <a:endParaRPr lang="en-US"/>
           </a:p>
@@ -912,7 +911,7 @@
           <a:p>
             <a:fld id="{02586951-FC06-400D-B112-D94F61D2A33E}" type="datetime1">
               <a:rPr lang="en-US" smtClean="0"/>
-              <a:t>1/10/2023</a:t>
+              <a:t>6/7/2023</a:t>
             </a:fld>
             <a:endParaRPr lang="en-US"/>
           </a:p>
@@ -1113,7 +1112,7 @@
           <a:p>
             <a:fld id="{1799AACD-26B4-449C-9473-C6212DC236EF}" type="datetime1">
               <a:rPr lang="en-US" smtClean="0"/>
-              <a:t>1/10/2023</a:t>
+              <a:t>6/7/2023</a:t>
             </a:fld>
             <a:endParaRPr lang="en-US"/>
           </a:p>
@@ -1324,7 +1323,7 @@
           <a:p>
             <a:fld id="{AB443B6A-6A52-4647-9954-2BD0C740BE2E}" type="datetime1">
               <a:rPr lang="en-US" smtClean="0"/>
-              <a:t>1/10/2023</a:t>
+              <a:t>6/7/2023</a:t>
             </a:fld>
             <a:endParaRPr lang="en-US"/>
           </a:p>
@@ -1799,7 +1798,7 @@
           <a:p>
             <a:fld id="{3FA71197-99F4-4D3C-A11C-ABD12B0C56A3}" type="datetime1">
               <a:rPr lang="en-US" smtClean="0"/>
-              <a:t>1/10/2023</a:t>
+              <a:t>6/7/2023</a:t>
             </a:fld>
             <a:endParaRPr lang="en-US"/>
           </a:p>
@@ -2067,7 +2066,7 @@
           <a:p>
             <a:fld id="{575969E4-574F-40A2-9955-17775655B9DD}" type="datetime1">
               <a:rPr lang="en-US" smtClean="0"/>
-              <a:t>1/10/2023</a:t>
+              <a:t>6/7/2023</a:t>
             </a:fld>
             <a:endParaRPr lang="en-US"/>
           </a:p>
@@ -2482,7 +2481,7 @@
           <a:p>
             <a:fld id="{69F8505B-91DD-4FAE-8FDA-63D079A44330}" type="datetime1">
               <a:rPr lang="en-US" smtClean="0"/>
-              <a:t>1/10/2023</a:t>
+              <a:t>6/7/2023</a:t>
             </a:fld>
             <a:endParaRPr lang="en-US"/>
           </a:p>
@@ -2626,7 +2625,7 @@
           <a:p>
             <a:fld id="{C4FDD1CF-796B-4AE5-A7CB-D70320A51E68}" type="datetime1">
               <a:rPr lang="en-US" smtClean="0"/>
-              <a:t>1/10/2023</a:t>
+              <a:t>6/7/2023</a:t>
             </a:fld>
             <a:endParaRPr lang="en-US"/>
           </a:p>
@@ -2742,7 +2741,7 @@
           <a:p>
             <a:fld id="{703FA5AB-6C5D-4281-9C21-BEBDFCEF3514}" type="datetime1">
               <a:rPr lang="en-US" smtClean="0"/>
-              <a:t>1/10/2023</a:t>
+              <a:t>6/7/2023</a:t>
             </a:fld>
             <a:endParaRPr lang="en-US"/>
           </a:p>
@@ -3056,7 +3055,7 @@
           <a:p>
             <a:fld id="{148D24C6-F47D-4085-9B08-3013FB7D3AC5}" type="datetime1">
               <a:rPr lang="en-US" smtClean="0"/>
-              <a:t>1/10/2023</a:t>
+              <a:t>6/7/2023</a:t>
             </a:fld>
             <a:endParaRPr lang="en-US"/>
           </a:p>
@@ -3347,7 +3346,7 @@
           <a:p>
             <a:fld id="{52C9B454-5E0E-4239-B4AC-F1D98260345E}" type="datetime1">
               <a:rPr lang="en-US" smtClean="0"/>
-              <a:t>1/10/2023</a:t>
+              <a:t>6/7/2023</a:t>
             </a:fld>
             <a:endParaRPr lang="en-US"/>
           </a:p>
@@ -3591,7 +3590,7 @@
           <a:p>
             <a:fld id="{DBCB8869-C62B-428D-AA96-F778B3A507DB}" type="datetime1">
               <a:rPr lang="en-US" smtClean="0"/>
-              <a:t>1/10/2023</a:t>
+              <a:t>6/7/2023</a:t>
             </a:fld>
             <a:endParaRPr lang="en-US"/>
           </a:p>
@@ -4323,7 +4322,7 @@
           <a:p>
             <a:r>
               <a:rPr lang="en-US" dirty="0"/>
-              <a:t>Instructor</a:t>
+              <a:t>Student Introductions</a:t>
             </a:r>
           </a:p>
         </p:txBody>
@@ -4344,74 +4343,27 @@
             <p:ph idx="1"/>
           </p:nvPr>
         </p:nvSpPr>
-        <p:spPr>
-          <a:xfrm>
-            <a:off x="838199" y="1690688"/>
-            <a:ext cx="11172753" cy="4665661"/>
-          </a:xfrm>
-        </p:spPr>
-        <p:txBody>
-          <a:bodyPr>
-            <a:normAutofit/>
-          </a:bodyPr>
-          <a:lstStyle/>
-          <a:p>
-            <a:r>
-              <a:rPr lang="en-US" dirty="0"/>
-              <a:t>MAJ Adam Duby</a:t>
-            </a:r>
-          </a:p>
-          <a:p>
-            <a:pPr lvl="1"/>
-            <a:r>
-              <a:rPr lang="en-US" dirty="0"/>
-              <a:t>Office: TH1111</a:t>
-            </a:r>
-          </a:p>
-          <a:p>
-            <a:pPr lvl="1"/>
-            <a:r>
-              <a:rPr lang="en-US" dirty="0"/>
-              <a:t>Lab: TH212 (Cyber Lab)</a:t>
-            </a:r>
-          </a:p>
-          <a:p>
-            <a:pPr lvl="1"/>
-            <a:r>
-              <a:rPr lang="en-US" dirty="0"/>
-              <a:t>Cell: 706-339-4292</a:t>
-            </a:r>
-          </a:p>
-          <a:p>
-            <a:pPr lvl="1"/>
-            <a:r>
-              <a:rPr lang="en-US" dirty="0"/>
-              <a:t>adam.duby@westpoint.edu</a:t>
-            </a:r>
-          </a:p>
-          <a:p>
-            <a:endParaRPr lang="en-US" dirty="0"/>
-          </a:p>
-          <a:p>
-            <a:endParaRPr lang="en-US" dirty="0"/>
-          </a:p>
-          <a:p>
-            <a:endParaRPr lang="en-US" dirty="0"/>
-          </a:p>
-          <a:p>
-            <a:pPr marL="0" indent="0">
-              <a:buNone/>
-            </a:pPr>
-            <a:endParaRPr lang="en-US" dirty="0"/>
-          </a:p>
-          <a:p>
-            <a:endParaRPr lang="en-US" dirty="0"/>
-          </a:p>
-          <a:p>
-            <a:pPr marL="0" indent="0">
-              <a:buNone/>
-            </a:pPr>
-            <a:endParaRPr lang="en-US" dirty="0"/>
+        <p:spPr/>
+        <p:txBody>
+          <a:bodyPr/>
+          <a:lstStyle/>
+          <a:p>
+            <a:r>
+              <a:rPr lang="en-US" dirty="0"/>
+              <a:t>Name</a:t>
+            </a:r>
+          </a:p>
+          <a:p>
+            <a:r>
+              <a:rPr lang="en-US" dirty="0"/>
+              <a:t>Major</a:t>
+            </a:r>
+          </a:p>
+          <a:p>
+            <a:r>
+              <a:rPr lang="en-US" dirty="0"/>
+              <a:t>Branch</a:t>
+            </a:r>
           </a:p>
         </p:txBody>
       </p:sp>
@@ -4439,928 +4391,6 @@
             <a:fld id="{C7F36220-D87F-47B8-89B0-52A4EDC587C4}" type="slidenum">
               <a:rPr lang="en-US" smtClean="0"/>
               <a:t>10</a:t>
-            </a:fld>
-            <a:endParaRPr lang="en-US"/>
-          </a:p>
-        </p:txBody>
-      </p:sp>
-      <p:sp>
-        <p:nvSpPr>
-          <p:cNvPr id="6" name="Footer Placeholder 3">
-            <a:extLst>
-              <a:ext uri="{FF2B5EF4-FFF2-40B4-BE49-F238E27FC236}">
-                <a16:creationId xmlns:a16="http://schemas.microsoft.com/office/drawing/2014/main" id="{041D281C-11EB-49BE-A1BD-427FC257A141}"/>
-              </a:ext>
-            </a:extLst>
-          </p:cNvPr>
-          <p:cNvSpPr>
-            <a:spLocks noGrp="1"/>
-          </p:cNvSpPr>
-          <p:nvPr>
-            <p:ph type="ftr" sz="quarter" idx="11"/>
-          </p:nvPr>
-        </p:nvSpPr>
-        <p:spPr>
-          <a:xfrm>
-            <a:off x="4038600" y="6356350"/>
-            <a:ext cx="4114800" cy="365125"/>
-          </a:xfrm>
-        </p:spPr>
-        <p:txBody>
-          <a:bodyPr/>
-          <a:lstStyle/>
-          <a:p>
-            <a:r>
-              <a:rPr lang="en-US" dirty="0"/>
-              <a:t>CS483 – Digital Forensics</a:t>
-            </a:r>
-          </a:p>
-        </p:txBody>
-      </p:sp>
-      <p:pic>
-        <p:nvPicPr>
-          <p:cNvPr id="1026" name="Picture 2" descr="Image result for 10th AAMDC">
-            <a:extLst>
-              <a:ext uri="{FF2B5EF4-FFF2-40B4-BE49-F238E27FC236}">
-                <a16:creationId xmlns:a16="http://schemas.microsoft.com/office/drawing/2014/main" id="{4D6CD4B7-2D72-F745-9298-ED41DA538690}"/>
-              </a:ext>
-            </a:extLst>
-          </p:cNvPr>
-          <p:cNvPicPr>
-            <a:picLocks noChangeAspect="1" noChangeArrowheads="1"/>
-          </p:cNvPicPr>
-          <p:nvPr/>
-        </p:nvPicPr>
-        <p:blipFill>
-          <a:blip r:embed="rId2">
-            <a:extLst>
-              <a:ext uri="{28A0092B-C50C-407E-A947-70E740481C1C}">
-                <a14:useLocalDpi xmlns:a14="http://schemas.microsoft.com/office/drawing/2010/main" val="0"/>
-              </a:ext>
-            </a:extLst>
-          </a:blip>
-          <a:srcRect/>
-          <a:stretch>
-            <a:fillRect/>
-          </a:stretch>
-        </p:blipFill>
-        <p:spPr bwMode="auto">
-          <a:xfrm>
-            <a:off x="689297" y="4032534"/>
-            <a:ext cx="745242" cy="1117863"/>
-          </a:xfrm>
-          <a:prstGeom prst="rect">
-            <a:avLst/>
-          </a:prstGeom>
-          <a:noFill/>
-          <a:extLst>
-            <a:ext uri="{909E8E84-426E-40DD-AFC4-6F175D3DCCD1}">
-              <a14:hiddenFill xmlns:a14="http://schemas.microsoft.com/office/drawing/2010/main">
-                <a:solidFill>
-                  <a:srgbClr val="FFFFFF"/>
-                </a:solidFill>
-              </a14:hiddenFill>
-            </a:ext>
-          </a:extLst>
-        </p:spPr>
-      </p:pic>
-      <p:pic>
-        <p:nvPicPr>
-          <p:cNvPr id="1028" name="Picture 4">
-            <a:extLst>
-              <a:ext uri="{FF2B5EF4-FFF2-40B4-BE49-F238E27FC236}">
-                <a16:creationId xmlns:a16="http://schemas.microsoft.com/office/drawing/2014/main" id="{FF3C7146-30F7-0232-7070-DD3870E1DAB1}"/>
-              </a:ext>
-            </a:extLst>
-          </p:cNvPr>
-          <p:cNvPicPr>
-            <a:picLocks noChangeAspect="1" noChangeArrowheads="1"/>
-          </p:cNvPicPr>
-          <p:nvPr/>
-        </p:nvPicPr>
-        <p:blipFill>
-          <a:blip r:embed="rId3">
-            <a:extLst>
-              <a:ext uri="{28A0092B-C50C-407E-A947-70E740481C1C}">
-                <a14:useLocalDpi xmlns:a14="http://schemas.microsoft.com/office/drawing/2010/main" val="0"/>
-              </a:ext>
-            </a:extLst>
-          </a:blip>
-          <a:srcRect/>
-          <a:stretch>
-            <a:fillRect/>
-          </a:stretch>
-        </p:blipFill>
-        <p:spPr bwMode="auto">
-          <a:xfrm>
-            <a:off x="4485623" y="4052861"/>
-            <a:ext cx="1133475" cy="1133475"/>
-          </a:xfrm>
-          <a:prstGeom prst="rect">
-            <a:avLst/>
-          </a:prstGeom>
-          <a:noFill/>
-          <a:extLst>
-            <a:ext uri="{909E8E84-426E-40DD-AFC4-6F175D3DCCD1}">
-              <a14:hiddenFill xmlns:a14="http://schemas.microsoft.com/office/drawing/2010/main">
-                <a:solidFill>
-                  <a:srgbClr val="FFFFFF"/>
-                </a:solidFill>
-              </a14:hiddenFill>
-            </a:ext>
-          </a:extLst>
-        </p:spPr>
-      </p:pic>
-      <p:pic>
-        <p:nvPicPr>
-          <p:cNvPr id="1030" name="Picture 6" descr="U.S. Army Cyber Protection Brigade Decal - Military Graphics">
-            <a:extLst>
-              <a:ext uri="{FF2B5EF4-FFF2-40B4-BE49-F238E27FC236}">
-                <a16:creationId xmlns:a16="http://schemas.microsoft.com/office/drawing/2014/main" id="{91E39105-C669-865A-2AAD-4C51AC968191}"/>
-              </a:ext>
-            </a:extLst>
-          </p:cNvPr>
-          <p:cNvPicPr>
-            <a:picLocks noChangeAspect="1" noChangeArrowheads="1"/>
-          </p:cNvPicPr>
-          <p:nvPr/>
-        </p:nvPicPr>
-        <p:blipFill>
-          <a:blip r:embed="rId4">
-            <a:extLst>
-              <a:ext uri="{28A0092B-C50C-407E-A947-70E740481C1C}">
-                <a14:useLocalDpi xmlns:a14="http://schemas.microsoft.com/office/drawing/2010/main" val="0"/>
-              </a:ext>
-            </a:extLst>
-          </a:blip>
-          <a:srcRect/>
-          <a:stretch>
-            <a:fillRect/>
-          </a:stretch>
-        </p:blipFill>
-        <p:spPr bwMode="auto">
-          <a:xfrm>
-            <a:off x="2424816" y="4032535"/>
-            <a:ext cx="1003635" cy="1142232"/>
-          </a:xfrm>
-          <a:prstGeom prst="rect">
-            <a:avLst/>
-          </a:prstGeom>
-          <a:noFill/>
-          <a:extLst>
-            <a:ext uri="{909E8E84-426E-40DD-AFC4-6F175D3DCCD1}">
-              <a14:hiddenFill xmlns:a14="http://schemas.microsoft.com/office/drawing/2010/main">
-                <a:solidFill>
-                  <a:srgbClr val="FFFFFF"/>
-                </a:solidFill>
-              </a14:hiddenFill>
-            </a:ext>
-          </a:extLst>
-        </p:spPr>
-      </p:pic>
-      <p:pic>
-        <p:nvPicPr>
-          <p:cNvPr id="4" name="Picture 6" descr="U.S. Army Cyber Protection Brigade Decal - Military Graphics">
-            <a:extLst>
-              <a:ext uri="{FF2B5EF4-FFF2-40B4-BE49-F238E27FC236}">
-                <a16:creationId xmlns:a16="http://schemas.microsoft.com/office/drawing/2014/main" id="{CDCDF8E3-FB4A-10CE-72A5-D7A86F58F5DD}"/>
-              </a:ext>
-            </a:extLst>
-          </p:cNvPr>
-          <p:cNvPicPr>
-            <a:picLocks noChangeAspect="1" noChangeArrowheads="1"/>
-          </p:cNvPicPr>
-          <p:nvPr/>
-        </p:nvPicPr>
-        <p:blipFill>
-          <a:blip r:embed="rId4">
-            <a:extLst>
-              <a:ext uri="{28A0092B-C50C-407E-A947-70E740481C1C}">
-                <a14:useLocalDpi xmlns:a14="http://schemas.microsoft.com/office/drawing/2010/main" val="0"/>
-              </a:ext>
-            </a:extLst>
-          </a:blip>
-          <a:srcRect/>
-          <a:stretch>
-            <a:fillRect/>
-          </a:stretch>
-        </p:blipFill>
-        <p:spPr bwMode="auto">
-          <a:xfrm>
-            <a:off x="6562189" y="4025080"/>
-            <a:ext cx="1003635" cy="1142232"/>
-          </a:xfrm>
-          <a:prstGeom prst="rect">
-            <a:avLst/>
-          </a:prstGeom>
-          <a:noFill/>
-          <a:extLst>
-            <a:ext uri="{909E8E84-426E-40DD-AFC4-6F175D3DCCD1}">
-              <a14:hiddenFill xmlns:a14="http://schemas.microsoft.com/office/drawing/2010/main">
-                <a:solidFill>
-                  <a:srgbClr val="FFFFFF"/>
-                </a:solidFill>
-              </a14:hiddenFill>
-            </a:ext>
-          </a:extLst>
-        </p:spPr>
-      </p:pic>
-      <p:pic>
-        <p:nvPicPr>
-          <p:cNvPr id="1032" name="Picture 8" descr="Tweets with replies by University of Colorado (@CUSystem) / Twitter">
-            <a:extLst>
-              <a:ext uri="{FF2B5EF4-FFF2-40B4-BE49-F238E27FC236}">
-                <a16:creationId xmlns:a16="http://schemas.microsoft.com/office/drawing/2014/main" id="{2384C000-0DE8-C151-B4F0-BE8F7A9AE0B5}"/>
-              </a:ext>
-            </a:extLst>
-          </p:cNvPr>
-          <p:cNvPicPr>
-            <a:picLocks noChangeAspect="1" noChangeArrowheads="1"/>
-          </p:cNvPicPr>
-          <p:nvPr/>
-        </p:nvPicPr>
-        <p:blipFill>
-          <a:blip r:embed="rId5">
-            <a:extLst>
-              <a:ext uri="{28A0092B-C50C-407E-A947-70E740481C1C}">
-                <a14:useLocalDpi xmlns:a14="http://schemas.microsoft.com/office/drawing/2010/main" val="0"/>
-              </a:ext>
-            </a:extLst>
-          </a:blip>
-          <a:srcRect/>
-          <a:stretch>
-            <a:fillRect/>
-          </a:stretch>
-        </p:blipFill>
-        <p:spPr bwMode="auto">
-          <a:xfrm>
-            <a:off x="8368112" y="3922035"/>
-            <a:ext cx="1398707" cy="1398707"/>
-          </a:xfrm>
-          <a:prstGeom prst="rect">
-            <a:avLst/>
-          </a:prstGeom>
-          <a:noFill/>
-          <a:extLst>
-            <a:ext uri="{909E8E84-426E-40DD-AFC4-6F175D3DCCD1}">
-              <a14:hiddenFill xmlns:a14="http://schemas.microsoft.com/office/drawing/2010/main">
-                <a:solidFill>
-                  <a:srgbClr val="FFFFFF"/>
-                </a:solidFill>
-              </a14:hiddenFill>
-            </a:ext>
-          </a:extLst>
-        </p:spPr>
-      </p:pic>
-      <p:pic>
-        <p:nvPicPr>
-          <p:cNvPr id="1034" name="Picture 10">
-            <a:extLst>
-              <a:ext uri="{FF2B5EF4-FFF2-40B4-BE49-F238E27FC236}">
-                <a16:creationId xmlns:a16="http://schemas.microsoft.com/office/drawing/2014/main" id="{20499C40-4D44-94A7-4178-6ED0C5374CC3}"/>
-              </a:ext>
-            </a:extLst>
-          </p:cNvPr>
-          <p:cNvPicPr>
-            <a:picLocks noChangeAspect="1" noChangeArrowheads="1"/>
-          </p:cNvPicPr>
-          <p:nvPr/>
-        </p:nvPicPr>
-        <p:blipFill>
-          <a:blip r:embed="rId6">
-            <a:extLst>
-              <a:ext uri="{28A0092B-C50C-407E-A947-70E740481C1C}">
-                <a14:useLocalDpi xmlns:a14="http://schemas.microsoft.com/office/drawing/2010/main" val="0"/>
-              </a:ext>
-            </a:extLst>
-          </a:blip>
-          <a:srcRect/>
-          <a:stretch>
-            <a:fillRect/>
-          </a:stretch>
-        </p:blipFill>
-        <p:spPr bwMode="auto">
-          <a:xfrm>
-            <a:off x="10638428" y="4032534"/>
-            <a:ext cx="1037970" cy="1207638"/>
-          </a:xfrm>
-          <a:prstGeom prst="rect">
-            <a:avLst/>
-          </a:prstGeom>
-          <a:noFill/>
-          <a:extLst>
-            <a:ext uri="{909E8E84-426E-40DD-AFC4-6F175D3DCCD1}">
-              <a14:hiddenFill xmlns:a14="http://schemas.microsoft.com/office/drawing/2010/main">
-                <a:solidFill>
-                  <a:srgbClr val="FFFFFF"/>
-                </a:solidFill>
-              </a14:hiddenFill>
-            </a:ext>
-          </a:extLst>
-        </p:spPr>
-      </p:pic>
-      <p:sp>
-        <p:nvSpPr>
-          <p:cNvPr id="7" name="TextBox 6">
-            <a:extLst>
-              <a:ext uri="{FF2B5EF4-FFF2-40B4-BE49-F238E27FC236}">
-                <a16:creationId xmlns:a16="http://schemas.microsoft.com/office/drawing/2014/main" id="{DFC4E2ED-4BB1-03FA-1498-AB828435ABF6}"/>
-              </a:ext>
-            </a:extLst>
-          </p:cNvPr>
-          <p:cNvSpPr txBox="1"/>
-          <p:nvPr/>
-        </p:nvSpPr>
-        <p:spPr>
-          <a:xfrm>
-            <a:off x="450026" y="5240172"/>
-            <a:ext cx="1223783" cy="492443"/>
-          </a:xfrm>
-          <a:prstGeom prst="rect">
-            <a:avLst/>
-          </a:prstGeom>
-          <a:noFill/>
-        </p:spPr>
-        <p:txBody>
-          <a:bodyPr wrap="square" rtlCol="0">
-            <a:spAutoFit/>
-          </a:bodyPr>
-          <a:lstStyle/>
-          <a:p>
-            <a:pPr algn="ctr"/>
-            <a:r>
-              <a:rPr lang="en-US" sz="1300" b="1" dirty="0"/>
-              <a:t>10</a:t>
-            </a:r>
-            <a:r>
-              <a:rPr lang="en-US" sz="1300" b="1" baseline="30000" dirty="0"/>
-              <a:t>th</a:t>
-            </a:r>
-            <a:r>
-              <a:rPr lang="en-US" sz="1300" b="1" dirty="0"/>
-              <a:t> AAMDC</a:t>
-            </a:r>
-          </a:p>
-          <a:p>
-            <a:pPr algn="ctr"/>
-            <a:r>
-              <a:rPr lang="en-US" sz="1300" dirty="0"/>
-              <a:t>Patriot</a:t>
-            </a:r>
-          </a:p>
-        </p:txBody>
-      </p:sp>
-      <p:sp>
-        <p:nvSpPr>
-          <p:cNvPr id="8" name="TextBox 7">
-            <a:extLst>
-              <a:ext uri="{FF2B5EF4-FFF2-40B4-BE49-F238E27FC236}">
-                <a16:creationId xmlns:a16="http://schemas.microsoft.com/office/drawing/2014/main" id="{12A300C8-5258-B9C2-99A9-C8602275E7C2}"/>
-              </a:ext>
-            </a:extLst>
-          </p:cNvPr>
-          <p:cNvSpPr txBox="1"/>
-          <p:nvPr/>
-        </p:nvSpPr>
-        <p:spPr>
-          <a:xfrm>
-            <a:off x="1909140" y="5240172"/>
-            <a:ext cx="2034985" cy="492443"/>
-          </a:xfrm>
-          <a:prstGeom prst="rect">
-            <a:avLst/>
-          </a:prstGeom>
-          <a:noFill/>
-        </p:spPr>
-        <p:txBody>
-          <a:bodyPr wrap="square" rtlCol="0">
-            <a:spAutoFit/>
-          </a:bodyPr>
-          <a:lstStyle/>
-          <a:p>
-            <a:pPr algn="ctr"/>
-            <a:r>
-              <a:rPr lang="en-US" sz="1300" b="1" dirty="0"/>
-              <a:t>Cyber Protection Brigade </a:t>
-            </a:r>
-            <a:r>
-              <a:rPr lang="en-US" sz="1300" dirty="0"/>
-              <a:t>Cyber Protection Team</a:t>
-            </a:r>
-          </a:p>
-        </p:txBody>
-      </p:sp>
-      <p:sp>
-        <p:nvSpPr>
-          <p:cNvPr id="9" name="TextBox 8">
-            <a:extLst>
-              <a:ext uri="{FF2B5EF4-FFF2-40B4-BE49-F238E27FC236}">
-                <a16:creationId xmlns:a16="http://schemas.microsoft.com/office/drawing/2014/main" id="{B00CA35D-777E-5D51-67DD-6C2802E7F36D}"/>
-              </a:ext>
-            </a:extLst>
-          </p:cNvPr>
-          <p:cNvSpPr txBox="1"/>
-          <p:nvPr/>
-        </p:nvSpPr>
-        <p:spPr>
-          <a:xfrm>
-            <a:off x="10314158" y="5246598"/>
-            <a:ext cx="1772546" cy="492443"/>
-          </a:xfrm>
-          <a:prstGeom prst="rect">
-            <a:avLst/>
-          </a:prstGeom>
-          <a:noFill/>
-        </p:spPr>
-        <p:txBody>
-          <a:bodyPr wrap="square" rtlCol="0">
-            <a:spAutoFit/>
-          </a:bodyPr>
-          <a:lstStyle/>
-          <a:p>
-            <a:pPr algn="ctr"/>
-            <a:r>
-              <a:rPr lang="en-US" sz="1300" b="1" dirty="0"/>
-              <a:t>USMA, EECS</a:t>
-            </a:r>
-          </a:p>
-          <a:p>
-            <a:pPr algn="ctr"/>
-            <a:r>
-              <a:rPr lang="en-US" sz="1300" dirty="0"/>
-              <a:t>Assistant Professor</a:t>
-            </a:r>
-          </a:p>
-        </p:txBody>
-      </p:sp>
-      <p:sp>
-        <p:nvSpPr>
-          <p:cNvPr id="10" name="TextBox 9">
-            <a:extLst>
-              <a:ext uri="{FF2B5EF4-FFF2-40B4-BE49-F238E27FC236}">
-                <a16:creationId xmlns:a16="http://schemas.microsoft.com/office/drawing/2014/main" id="{33FBDFE7-78D0-5407-251D-B835273CFC7F}"/>
-              </a:ext>
-            </a:extLst>
-          </p:cNvPr>
-          <p:cNvSpPr txBox="1"/>
-          <p:nvPr/>
-        </p:nvSpPr>
-        <p:spPr>
-          <a:xfrm>
-            <a:off x="4003468" y="5245126"/>
-            <a:ext cx="2034985" cy="492443"/>
-          </a:xfrm>
-          <a:prstGeom prst="rect">
-            <a:avLst/>
-          </a:prstGeom>
-          <a:noFill/>
-        </p:spPr>
-        <p:txBody>
-          <a:bodyPr wrap="square" rtlCol="0">
-            <a:spAutoFit/>
-          </a:bodyPr>
-          <a:lstStyle/>
-          <a:p>
-            <a:pPr algn="ctr"/>
-            <a:r>
-              <a:rPr lang="en-US" sz="1300" b="1" dirty="0"/>
-              <a:t>NSA</a:t>
-            </a:r>
-          </a:p>
-          <a:p>
-            <a:pPr algn="ctr"/>
-            <a:r>
-              <a:rPr lang="en-US" sz="1300" dirty="0"/>
-              <a:t>Malware Analyst</a:t>
-            </a:r>
-          </a:p>
-        </p:txBody>
-      </p:sp>
-      <p:sp>
-        <p:nvSpPr>
-          <p:cNvPr id="11" name="TextBox 10">
-            <a:extLst>
-              <a:ext uri="{FF2B5EF4-FFF2-40B4-BE49-F238E27FC236}">
-                <a16:creationId xmlns:a16="http://schemas.microsoft.com/office/drawing/2014/main" id="{5D5B60D0-4B60-6BA1-4725-98D773B983FF}"/>
-              </a:ext>
-            </a:extLst>
-          </p:cNvPr>
-          <p:cNvSpPr txBox="1"/>
-          <p:nvPr/>
-        </p:nvSpPr>
-        <p:spPr>
-          <a:xfrm>
-            <a:off x="8099026" y="5246598"/>
-            <a:ext cx="2082468" cy="492443"/>
-          </a:xfrm>
-          <a:prstGeom prst="rect">
-            <a:avLst/>
-          </a:prstGeom>
-          <a:noFill/>
-        </p:spPr>
-        <p:txBody>
-          <a:bodyPr wrap="square" rtlCol="0">
-            <a:spAutoFit/>
-          </a:bodyPr>
-          <a:lstStyle/>
-          <a:p>
-            <a:pPr algn="ctr"/>
-            <a:r>
-              <a:rPr lang="en-US" sz="1300" b="1" dirty="0"/>
-              <a:t>University of Colorado</a:t>
-            </a:r>
-          </a:p>
-          <a:p>
-            <a:pPr algn="ctr"/>
-            <a:r>
-              <a:rPr lang="en-US" sz="1300" dirty="0"/>
-              <a:t>PhD, Computer Engineering</a:t>
-            </a:r>
-          </a:p>
-        </p:txBody>
-      </p:sp>
-      <p:sp>
-        <p:nvSpPr>
-          <p:cNvPr id="12" name="TextBox 11">
-            <a:extLst>
-              <a:ext uri="{FF2B5EF4-FFF2-40B4-BE49-F238E27FC236}">
-                <a16:creationId xmlns:a16="http://schemas.microsoft.com/office/drawing/2014/main" id="{364020CB-B8E9-4577-8309-02EFFC3DB9B3}"/>
-              </a:ext>
-            </a:extLst>
-          </p:cNvPr>
-          <p:cNvSpPr txBox="1"/>
-          <p:nvPr/>
-        </p:nvSpPr>
-        <p:spPr>
-          <a:xfrm>
-            <a:off x="6087861" y="5239143"/>
-            <a:ext cx="2034985" cy="692497"/>
-          </a:xfrm>
-          <a:prstGeom prst="rect">
-            <a:avLst/>
-          </a:prstGeom>
-          <a:noFill/>
-        </p:spPr>
-        <p:txBody>
-          <a:bodyPr wrap="square" rtlCol="0">
-            <a:spAutoFit/>
-          </a:bodyPr>
-          <a:lstStyle/>
-          <a:p>
-            <a:pPr algn="ctr"/>
-            <a:r>
-              <a:rPr lang="en-US" sz="1300" b="1" dirty="0"/>
-              <a:t>Cyber Protection Brigade </a:t>
-            </a:r>
-            <a:r>
-              <a:rPr lang="en-US" sz="1300" dirty="0"/>
-              <a:t>BDE Forensics &amp; Threat Analysis Officer</a:t>
-            </a:r>
-          </a:p>
-        </p:txBody>
-      </p:sp>
-      <p:cxnSp>
-        <p:nvCxnSpPr>
-          <p:cNvPr id="14" name="Straight Arrow Connector 13">
-            <a:extLst>
-              <a:ext uri="{FF2B5EF4-FFF2-40B4-BE49-F238E27FC236}">
-                <a16:creationId xmlns:a16="http://schemas.microsoft.com/office/drawing/2014/main" id="{A7027A2C-58B9-A503-B2D1-6295FEEAA0BF}"/>
-              </a:ext>
-            </a:extLst>
-          </p:cNvPr>
-          <p:cNvCxnSpPr>
-            <a:cxnSpLocks/>
-          </p:cNvCxnSpPr>
-          <p:nvPr/>
-        </p:nvCxnSpPr>
-        <p:spPr>
-          <a:xfrm>
-            <a:off x="1465690" y="4645566"/>
-            <a:ext cx="886900" cy="0"/>
-          </a:xfrm>
-          <a:prstGeom prst="straightConnector1">
-            <a:avLst/>
-          </a:prstGeom>
-          <a:ln w="63500">
-            <a:solidFill>
-              <a:schemeClr val="tx1"/>
-            </a:solidFill>
-            <a:tailEnd type="triangle"/>
-          </a:ln>
-        </p:spPr>
-        <p:style>
-          <a:lnRef idx="1">
-            <a:schemeClr val="accent1"/>
-          </a:lnRef>
-          <a:fillRef idx="0">
-            <a:schemeClr val="accent1"/>
-          </a:fillRef>
-          <a:effectRef idx="0">
-            <a:schemeClr val="accent1"/>
-          </a:effectRef>
-          <a:fontRef idx="minor">
-            <a:schemeClr val="tx1"/>
-          </a:fontRef>
-        </p:style>
-      </p:cxnSp>
-      <p:cxnSp>
-        <p:nvCxnSpPr>
-          <p:cNvPr id="16" name="Straight Arrow Connector 15">
-            <a:extLst>
-              <a:ext uri="{FF2B5EF4-FFF2-40B4-BE49-F238E27FC236}">
-                <a16:creationId xmlns:a16="http://schemas.microsoft.com/office/drawing/2014/main" id="{AFE51ABA-1D19-907E-EB29-3A4064707F71}"/>
-              </a:ext>
-            </a:extLst>
-          </p:cNvPr>
-          <p:cNvCxnSpPr>
-            <a:cxnSpLocks/>
-          </p:cNvCxnSpPr>
-          <p:nvPr/>
-        </p:nvCxnSpPr>
-        <p:spPr>
-          <a:xfrm>
-            <a:off x="3500675" y="4653587"/>
-            <a:ext cx="886900" cy="0"/>
-          </a:xfrm>
-          <a:prstGeom prst="straightConnector1">
-            <a:avLst/>
-          </a:prstGeom>
-          <a:ln w="63500">
-            <a:solidFill>
-              <a:schemeClr val="tx1"/>
-            </a:solidFill>
-            <a:tailEnd type="triangle"/>
-          </a:ln>
-        </p:spPr>
-        <p:style>
-          <a:lnRef idx="1">
-            <a:schemeClr val="accent1"/>
-          </a:lnRef>
-          <a:fillRef idx="0">
-            <a:schemeClr val="accent1"/>
-          </a:fillRef>
-          <a:effectRef idx="0">
-            <a:schemeClr val="accent1"/>
-          </a:effectRef>
-          <a:fontRef idx="minor">
-            <a:schemeClr val="tx1"/>
-          </a:fontRef>
-        </p:style>
-      </p:cxnSp>
-      <p:cxnSp>
-        <p:nvCxnSpPr>
-          <p:cNvPr id="17" name="Straight Arrow Connector 16">
-            <a:extLst>
-              <a:ext uri="{FF2B5EF4-FFF2-40B4-BE49-F238E27FC236}">
-                <a16:creationId xmlns:a16="http://schemas.microsoft.com/office/drawing/2014/main" id="{8668F2CA-8444-6FF0-E576-9F791BB888B7}"/>
-              </a:ext>
-            </a:extLst>
-          </p:cNvPr>
-          <p:cNvCxnSpPr>
-            <a:cxnSpLocks/>
-          </p:cNvCxnSpPr>
-          <p:nvPr/>
-        </p:nvCxnSpPr>
-        <p:spPr>
-          <a:xfrm>
-            <a:off x="5706764" y="4653587"/>
-            <a:ext cx="886900" cy="0"/>
-          </a:xfrm>
-          <a:prstGeom prst="straightConnector1">
-            <a:avLst/>
-          </a:prstGeom>
-          <a:ln w="63500">
-            <a:solidFill>
-              <a:schemeClr val="tx1"/>
-            </a:solidFill>
-            <a:tailEnd type="triangle"/>
-          </a:ln>
-        </p:spPr>
-        <p:style>
-          <a:lnRef idx="1">
-            <a:schemeClr val="accent1"/>
-          </a:lnRef>
-          <a:fillRef idx="0">
-            <a:schemeClr val="accent1"/>
-          </a:fillRef>
-          <a:effectRef idx="0">
-            <a:schemeClr val="accent1"/>
-          </a:effectRef>
-          <a:fontRef idx="minor">
-            <a:schemeClr val="tx1"/>
-          </a:fontRef>
-        </p:style>
-      </p:cxnSp>
-      <p:cxnSp>
-        <p:nvCxnSpPr>
-          <p:cNvPr id="18" name="Straight Arrow Connector 17">
-            <a:extLst>
-              <a:ext uri="{FF2B5EF4-FFF2-40B4-BE49-F238E27FC236}">
-                <a16:creationId xmlns:a16="http://schemas.microsoft.com/office/drawing/2014/main" id="{2668D21A-54F8-D330-96D4-9B41FDBB9751}"/>
-              </a:ext>
-            </a:extLst>
-          </p:cNvPr>
-          <p:cNvCxnSpPr>
-            <a:cxnSpLocks/>
-          </p:cNvCxnSpPr>
-          <p:nvPr/>
-        </p:nvCxnSpPr>
-        <p:spPr>
-          <a:xfrm>
-            <a:off x="7600752" y="4640403"/>
-            <a:ext cx="886900" cy="0"/>
-          </a:xfrm>
-          <a:prstGeom prst="straightConnector1">
-            <a:avLst/>
-          </a:prstGeom>
-          <a:ln w="63500">
-            <a:solidFill>
-              <a:schemeClr val="tx1"/>
-            </a:solidFill>
-            <a:tailEnd type="triangle"/>
-          </a:ln>
-        </p:spPr>
-        <p:style>
-          <a:lnRef idx="1">
-            <a:schemeClr val="accent1"/>
-          </a:lnRef>
-          <a:fillRef idx="0">
-            <a:schemeClr val="accent1"/>
-          </a:fillRef>
-          <a:effectRef idx="0">
-            <a:schemeClr val="accent1"/>
-          </a:effectRef>
-          <a:fontRef idx="minor">
-            <a:schemeClr val="tx1"/>
-          </a:fontRef>
-        </p:style>
-      </p:cxnSp>
-      <p:cxnSp>
-        <p:nvCxnSpPr>
-          <p:cNvPr id="19" name="Straight Arrow Connector 18">
-            <a:extLst>
-              <a:ext uri="{FF2B5EF4-FFF2-40B4-BE49-F238E27FC236}">
-                <a16:creationId xmlns:a16="http://schemas.microsoft.com/office/drawing/2014/main" id="{96B878EE-0D82-EACB-6668-00EC496B2E89}"/>
-              </a:ext>
-            </a:extLst>
-          </p:cNvPr>
-          <p:cNvCxnSpPr>
-            <a:cxnSpLocks/>
-          </p:cNvCxnSpPr>
-          <p:nvPr/>
-        </p:nvCxnSpPr>
-        <p:spPr>
-          <a:xfrm>
-            <a:off x="9738044" y="4653587"/>
-            <a:ext cx="886900" cy="0"/>
-          </a:xfrm>
-          <a:prstGeom prst="straightConnector1">
-            <a:avLst/>
-          </a:prstGeom>
-          <a:ln w="63500">
-            <a:solidFill>
-              <a:schemeClr val="tx1"/>
-            </a:solidFill>
-            <a:tailEnd type="triangle"/>
-          </a:ln>
-        </p:spPr>
-        <p:style>
-          <a:lnRef idx="1">
-            <a:schemeClr val="accent1"/>
-          </a:lnRef>
-          <a:fillRef idx="0">
-            <a:schemeClr val="accent1"/>
-          </a:fillRef>
-          <a:effectRef idx="0">
-            <a:schemeClr val="accent1"/>
-          </a:effectRef>
-          <a:fontRef idx="minor">
-            <a:schemeClr val="tx1"/>
-          </a:fontRef>
-        </p:style>
-      </p:cxnSp>
-    </p:spTree>
-    <p:extLst>
-      <p:ext uri="{BB962C8B-B14F-4D97-AF65-F5344CB8AC3E}">
-        <p14:creationId xmlns:p14="http://schemas.microsoft.com/office/powerpoint/2010/main" val="937418202"/>
-      </p:ext>
-    </p:extLst>
-  </p:cSld>
-  <p:clrMapOvr>
-    <a:masterClrMapping/>
-  </p:clrMapOvr>
-</p:sld>
-</file>
-
-<file path=ppt/slides/slide11.xml><?xml version="1.0" encoding="utf-8"?>
-<p:sld xmlns:a="http://schemas.openxmlformats.org/drawingml/2006/main" xmlns:r="http://schemas.openxmlformats.org/officeDocument/2006/relationships" xmlns:p="http://schemas.openxmlformats.org/presentationml/2006/main">
-  <p:cSld>
-    <p:spTree>
-      <p:nvGrpSpPr>
-        <p:cNvPr id="1" name=""/>
-        <p:cNvGrpSpPr/>
-        <p:nvPr/>
-      </p:nvGrpSpPr>
-      <p:grpSpPr>
-        <a:xfrm>
-          <a:off x="0" y="0"/>
-          <a:ext cx="0" cy="0"/>
-          <a:chOff x="0" y="0"/>
-          <a:chExt cx="0" cy="0"/>
-        </a:xfrm>
-      </p:grpSpPr>
-      <p:sp>
-        <p:nvSpPr>
-          <p:cNvPr id="2" name="Title 1">
-            <a:extLst>
-              <a:ext uri="{FF2B5EF4-FFF2-40B4-BE49-F238E27FC236}">
-                <a16:creationId xmlns:a16="http://schemas.microsoft.com/office/drawing/2014/main" id="{06F64196-5CF3-4005-ADA7-39FB674F616A}"/>
-              </a:ext>
-            </a:extLst>
-          </p:cNvPr>
-          <p:cNvSpPr>
-            <a:spLocks noGrp="1"/>
-          </p:cNvSpPr>
-          <p:nvPr>
-            <p:ph type="title"/>
-          </p:nvPr>
-        </p:nvSpPr>
-        <p:spPr/>
-        <p:txBody>
-          <a:bodyPr/>
-          <a:lstStyle/>
-          <a:p>
-            <a:r>
-              <a:rPr lang="en-US" dirty="0"/>
-              <a:t>Student Introductions</a:t>
-            </a:r>
-          </a:p>
-        </p:txBody>
-      </p:sp>
-      <p:sp>
-        <p:nvSpPr>
-          <p:cNvPr id="3" name="Content Placeholder 2">
-            <a:extLst>
-              <a:ext uri="{FF2B5EF4-FFF2-40B4-BE49-F238E27FC236}">
-                <a16:creationId xmlns:a16="http://schemas.microsoft.com/office/drawing/2014/main" id="{41DE5BC5-8545-4403-8857-7ECC60C35DC5}"/>
-              </a:ext>
-            </a:extLst>
-          </p:cNvPr>
-          <p:cNvSpPr>
-            <a:spLocks noGrp="1"/>
-          </p:cNvSpPr>
-          <p:nvPr>
-            <p:ph idx="1"/>
-          </p:nvPr>
-        </p:nvSpPr>
-        <p:spPr/>
-        <p:txBody>
-          <a:bodyPr/>
-          <a:lstStyle/>
-          <a:p>
-            <a:r>
-              <a:rPr lang="en-US" dirty="0"/>
-              <a:t>Name</a:t>
-            </a:r>
-          </a:p>
-          <a:p>
-            <a:r>
-              <a:rPr lang="en-US" dirty="0"/>
-              <a:t>Major</a:t>
-            </a:r>
-          </a:p>
-          <a:p>
-            <a:r>
-              <a:rPr lang="en-US" dirty="0"/>
-              <a:t>Branch</a:t>
-            </a:r>
-          </a:p>
-        </p:txBody>
-      </p:sp>
-      <p:sp>
-        <p:nvSpPr>
-          <p:cNvPr id="5" name="Slide Number Placeholder 4">
-            <a:extLst>
-              <a:ext uri="{FF2B5EF4-FFF2-40B4-BE49-F238E27FC236}">
-                <a16:creationId xmlns:a16="http://schemas.microsoft.com/office/drawing/2014/main" id="{CE782FB2-E7E5-4772-AB21-6F78830BD26F}"/>
-              </a:ext>
-            </a:extLst>
-          </p:cNvPr>
-          <p:cNvSpPr>
-            <a:spLocks noGrp="1"/>
-          </p:cNvSpPr>
-          <p:nvPr>
-            <p:ph type="sldNum" sz="quarter" idx="12"/>
-          </p:nvPr>
-        </p:nvSpPr>
-        <p:spPr/>
-        <p:txBody>
-          <a:bodyPr/>
-          <a:lstStyle/>
-          <a:p>
-            <a:fld id="{C7F36220-D87F-47B8-89B0-52A4EDC587C4}" type="slidenum">
-              <a:rPr lang="en-US" smtClean="0"/>
-              <a:t>11</a:t>
             </a:fld>
             <a:endParaRPr lang="en-US"/>
           </a:p>
@@ -5412,7 +4442,7 @@
 </p:sld>
 </file>
 
-<file path=ppt/slides/slide12.xml><?xml version="1.0" encoding="utf-8"?>
+<file path=ppt/slides/slide11.xml><?xml version="1.0" encoding="utf-8"?>
 <p:sld xmlns:a="http://schemas.openxmlformats.org/drawingml/2006/main" xmlns:r="http://schemas.openxmlformats.org/officeDocument/2006/relationships" xmlns:p="http://schemas.openxmlformats.org/presentationml/2006/main">
   <p:cSld>
     <p:bg>
@@ -5684,6 +4714,179 @@
 </p:sld>
 </file>
 
+<file path=ppt/slides/slide12.xml><?xml version="1.0" encoding="utf-8"?>
+<p:sld xmlns:a="http://schemas.openxmlformats.org/drawingml/2006/main" xmlns:r="http://schemas.openxmlformats.org/officeDocument/2006/relationships" xmlns:p="http://schemas.openxmlformats.org/presentationml/2006/main">
+  <p:cSld>
+    <p:spTree>
+      <p:nvGrpSpPr>
+        <p:cNvPr id="1" name=""/>
+        <p:cNvGrpSpPr/>
+        <p:nvPr/>
+      </p:nvGrpSpPr>
+      <p:grpSpPr>
+        <a:xfrm>
+          <a:off x="0" y="0"/>
+          <a:ext cx="0" cy="0"/>
+          <a:chOff x="0" y="0"/>
+          <a:chExt cx="0" cy="0"/>
+        </a:xfrm>
+      </p:grpSpPr>
+      <p:sp>
+        <p:nvSpPr>
+          <p:cNvPr id="2" name="Title 1">
+            <a:extLst>
+              <a:ext uri="{FF2B5EF4-FFF2-40B4-BE49-F238E27FC236}">
+                <a16:creationId xmlns:a16="http://schemas.microsoft.com/office/drawing/2014/main" id="{B2DAF97E-7747-497E-8DDC-27199E69EA2C}"/>
+              </a:ext>
+            </a:extLst>
+          </p:cNvPr>
+          <p:cNvSpPr>
+            <a:spLocks noGrp="1"/>
+          </p:cNvSpPr>
+          <p:nvPr>
+            <p:ph type="title"/>
+          </p:nvPr>
+        </p:nvSpPr>
+        <p:spPr/>
+        <p:txBody>
+          <a:bodyPr/>
+          <a:lstStyle/>
+          <a:p>
+            <a:r>
+              <a:rPr lang="en-US" dirty="0"/>
+              <a:t>What is Digital Forensics</a:t>
+            </a:r>
+          </a:p>
+        </p:txBody>
+      </p:sp>
+      <p:sp>
+        <p:nvSpPr>
+          <p:cNvPr id="3" name="Content Placeholder 2">
+            <a:extLst>
+              <a:ext uri="{FF2B5EF4-FFF2-40B4-BE49-F238E27FC236}">
+                <a16:creationId xmlns:a16="http://schemas.microsoft.com/office/drawing/2014/main" id="{0D44DA0E-B8D3-4138-B295-3B8E24ED4D84}"/>
+              </a:ext>
+            </a:extLst>
+          </p:cNvPr>
+          <p:cNvSpPr>
+            <a:spLocks noGrp="1"/>
+          </p:cNvSpPr>
+          <p:nvPr>
+            <p:ph idx="1"/>
+          </p:nvPr>
+        </p:nvSpPr>
+        <p:spPr/>
+        <p:txBody>
+          <a:bodyPr>
+            <a:normAutofit/>
+          </a:bodyPr>
+          <a:lstStyle/>
+          <a:p>
+            <a:pPr marL="0" indent="0" algn="l">
+              <a:buNone/>
+            </a:pPr>
+            <a:r>
+              <a:rPr lang="en-US" b="0" i="1" u="none" strike="noStrike" baseline="0" dirty="0"/>
+              <a:t>Defined (DFRWS 2001)</a:t>
+            </a:r>
+            <a:r>
+              <a:rPr lang="en-US" b="0" i="0" u="none" strike="noStrike" baseline="0" dirty="0"/>
+              <a:t>:</a:t>
+            </a:r>
+          </a:p>
+          <a:p>
+            <a:pPr marL="0" indent="0" algn="l">
+              <a:buNone/>
+            </a:pPr>
+            <a:endParaRPr lang="en-US" b="0" i="0" u="none" strike="noStrike" baseline="0" dirty="0"/>
+          </a:p>
+          <a:p>
+            <a:pPr marL="0" indent="0" algn="l">
+              <a:buNone/>
+            </a:pPr>
+            <a:r>
+              <a:rPr lang="en-US" b="0" i="0" u="none" strike="noStrike" baseline="0" dirty="0"/>
+              <a:t>The use of scientifically derived and proven methods toward the preservation, collection, validation, identification, analysis, interpretation, documentation and presentation of digital evidence derived from digital sources for the purpose of facilitating or furthering the reconstruction of events found to be criminal, or helping to anticipate unauthorized actions shown to be disruptive to planned operations.</a:t>
+            </a:r>
+            <a:endParaRPr lang="en-US" dirty="0"/>
+          </a:p>
+        </p:txBody>
+      </p:sp>
+      <p:sp>
+        <p:nvSpPr>
+          <p:cNvPr id="5" name="Slide Number Placeholder 4">
+            <a:extLst>
+              <a:ext uri="{FF2B5EF4-FFF2-40B4-BE49-F238E27FC236}">
+                <a16:creationId xmlns:a16="http://schemas.microsoft.com/office/drawing/2014/main" id="{412D4550-0815-43FF-8F63-47426DCFDADD}"/>
+              </a:ext>
+            </a:extLst>
+          </p:cNvPr>
+          <p:cNvSpPr>
+            <a:spLocks noGrp="1"/>
+          </p:cNvSpPr>
+          <p:nvPr>
+            <p:ph type="sldNum" sz="quarter" idx="12"/>
+          </p:nvPr>
+        </p:nvSpPr>
+        <p:spPr/>
+        <p:txBody>
+          <a:bodyPr/>
+          <a:lstStyle/>
+          <a:p>
+            <a:fld id="{C7F36220-D87F-47B8-89B0-52A4EDC587C4}" type="slidenum">
+              <a:rPr lang="en-US" smtClean="0"/>
+              <a:t>12</a:t>
+            </a:fld>
+            <a:endParaRPr lang="en-US"/>
+          </a:p>
+        </p:txBody>
+      </p:sp>
+      <p:sp>
+        <p:nvSpPr>
+          <p:cNvPr id="6" name="Footer Placeholder 3">
+            <a:extLst>
+              <a:ext uri="{FF2B5EF4-FFF2-40B4-BE49-F238E27FC236}">
+                <a16:creationId xmlns:a16="http://schemas.microsoft.com/office/drawing/2014/main" id="{05E1B9B3-E417-47B4-924E-B1B013AF610E}"/>
+              </a:ext>
+            </a:extLst>
+          </p:cNvPr>
+          <p:cNvSpPr>
+            <a:spLocks noGrp="1"/>
+          </p:cNvSpPr>
+          <p:nvPr>
+            <p:ph type="ftr" sz="quarter" idx="11"/>
+          </p:nvPr>
+        </p:nvSpPr>
+        <p:spPr>
+          <a:xfrm>
+            <a:off x="4038600" y="6356350"/>
+            <a:ext cx="4114800" cy="365125"/>
+          </a:xfrm>
+        </p:spPr>
+        <p:txBody>
+          <a:bodyPr/>
+          <a:lstStyle/>
+          <a:p>
+            <a:r>
+              <a:rPr lang="en-US" dirty="0"/>
+              <a:t>CS483 – Digital Forensics</a:t>
+            </a:r>
+          </a:p>
+        </p:txBody>
+      </p:sp>
+    </p:spTree>
+    <p:extLst>
+      <p:ext uri="{BB962C8B-B14F-4D97-AF65-F5344CB8AC3E}">
+        <p14:creationId xmlns:p14="http://schemas.microsoft.com/office/powerpoint/2010/main" val="3160432115"/>
+      </p:ext>
+    </p:extLst>
+  </p:cSld>
+  <p:clrMapOvr>
+    <a:masterClrMapping/>
+  </p:clrMapOvr>
+</p:sld>
+</file>
+
 <file path=ppt/slides/slide13.xml><?xml version="1.0" encoding="utf-8"?>
 <p:sld xmlns:a="http://schemas.openxmlformats.org/drawingml/2006/main" xmlns:r="http://schemas.openxmlformats.org/officeDocument/2006/relationships" xmlns:p="http://schemas.openxmlformats.org/presentationml/2006/main">
   <p:cSld>
@@ -5706,7 +4909,7 @@
           <p:cNvPr id="2" name="Title 1">
             <a:extLst>
               <a:ext uri="{FF2B5EF4-FFF2-40B4-BE49-F238E27FC236}">
-                <a16:creationId xmlns:a16="http://schemas.microsoft.com/office/drawing/2014/main" id="{B2DAF97E-7747-497E-8DDC-27199E69EA2C}"/>
+                <a16:creationId xmlns:a16="http://schemas.microsoft.com/office/drawing/2014/main" id="{06F64196-5CF3-4005-ADA7-39FB674F616A}"/>
               </a:ext>
             </a:extLst>
           </p:cNvPr>
@@ -5724,7 +4927,7 @@
           <a:p>
             <a:r>
               <a:rPr lang="en-US" dirty="0"/>
-              <a:t>What is Digital Forensics</a:t>
+              <a:t>Fields of Digital Forensics</a:t>
             </a:r>
           </a:p>
         </p:txBody>
@@ -5734,7 +4937,7 @@
           <p:cNvPr id="3" name="Content Placeholder 2">
             <a:extLst>
               <a:ext uri="{FF2B5EF4-FFF2-40B4-BE49-F238E27FC236}">
-                <a16:creationId xmlns:a16="http://schemas.microsoft.com/office/drawing/2014/main" id="{0D44DA0E-B8D3-4138-B295-3B8E24ED4D84}"/>
+                <a16:creationId xmlns:a16="http://schemas.microsoft.com/office/drawing/2014/main" id="{41DE5BC5-8545-4403-8857-7ECC60C35DC5}"/>
               </a:ext>
             </a:extLst>
           </p:cNvPr>
@@ -5748,37 +4951,68 @@
         <p:spPr/>
         <p:txBody>
           <a:bodyPr>
-            <a:normAutofit/>
+            <a:normAutofit fontScale="92500" lnSpcReduction="20000"/>
           </a:bodyPr>
           <a:lstStyle/>
           <a:p>
-            <a:pPr marL="0" indent="0" algn="l">
-              <a:buNone/>
-            </a:pPr>
-            <a:r>
-              <a:rPr lang="en-US" b="0" i="1" u="none" strike="noStrike" baseline="0" dirty="0"/>
-              <a:t>Defined (DFRWS 2001)</a:t>
-            </a:r>
-            <a:r>
-              <a:rPr lang="en-US" b="0" i="0" u="none" strike="noStrike" baseline="0" dirty="0"/>
-              <a:t>:</a:t>
-            </a:r>
-          </a:p>
-          <a:p>
-            <a:pPr marL="0" indent="0" algn="l">
-              <a:buNone/>
-            </a:pPr>
-            <a:endParaRPr lang="en-US" b="0" i="0" u="none" strike="noStrike" baseline="0" dirty="0"/>
-          </a:p>
-          <a:p>
-            <a:pPr marL="0" indent="0" algn="l">
-              <a:buNone/>
-            </a:pPr>
-            <a:r>
-              <a:rPr lang="en-US" b="0" i="0" u="none" strike="noStrike" baseline="0" dirty="0"/>
-              <a:t>The use of scientifically derived and proven methods toward the preservation, collection, validation, identification, analysis, interpretation, documentation and presentation of digital evidence derived from digital sources for the purpose of facilitating or furthering the reconstruction of events found to be criminal, or helping to anticipate unauthorized actions shown to be disruptive to planned operations.</a:t>
-            </a:r>
-            <a:endParaRPr lang="en-US" dirty="0"/>
+            <a:r>
+              <a:rPr lang="en-US" dirty="0"/>
+              <a:t>Network Forensics</a:t>
+            </a:r>
+          </a:p>
+          <a:p>
+            <a:r>
+              <a:rPr lang="en-US" dirty="0"/>
+              <a:t>Computer Forensics</a:t>
+            </a:r>
+          </a:p>
+          <a:p>
+            <a:r>
+              <a:rPr lang="en-US" dirty="0"/>
+              <a:t>Malware Forensics</a:t>
+            </a:r>
+          </a:p>
+          <a:p>
+            <a:r>
+              <a:rPr lang="en-US" dirty="0"/>
+              <a:t>File System Forensics</a:t>
+            </a:r>
+          </a:p>
+          <a:p>
+            <a:r>
+              <a:rPr lang="en-US" dirty="0"/>
+              <a:t>Memory Forensics</a:t>
+            </a:r>
+          </a:p>
+          <a:p>
+            <a:r>
+              <a:rPr lang="en-US" dirty="0"/>
+              <a:t>Software Forensics</a:t>
+            </a:r>
+          </a:p>
+          <a:p>
+            <a:r>
+              <a:rPr lang="en-US" dirty="0"/>
+              <a:t>Hardware Forensics</a:t>
+            </a:r>
+          </a:p>
+          <a:p>
+            <a:r>
+              <a:rPr lang="en-US" dirty="0"/>
+              <a:t>Mobile Forensics</a:t>
+            </a:r>
+          </a:p>
+          <a:p>
+            <a:r>
+              <a:rPr lang="en-US" dirty="0"/>
+              <a:t>Operating System Forensics</a:t>
+            </a:r>
+          </a:p>
+          <a:p>
+            <a:r>
+              <a:rPr lang="en-US" dirty="0"/>
+              <a:t>…..</a:t>
+            </a:r>
           </a:p>
         </p:txBody>
       </p:sp>
@@ -5787,7 +5021,7 @@
           <p:cNvPr id="5" name="Slide Number Placeholder 4">
             <a:extLst>
               <a:ext uri="{FF2B5EF4-FFF2-40B4-BE49-F238E27FC236}">
-                <a16:creationId xmlns:a16="http://schemas.microsoft.com/office/drawing/2014/main" id="{412D4550-0815-43FF-8F63-47426DCFDADD}"/>
+                <a16:creationId xmlns:a16="http://schemas.microsoft.com/office/drawing/2014/main" id="{CE782FB2-E7E5-4772-AB21-6F78830BD26F}"/>
               </a:ext>
             </a:extLst>
           </p:cNvPr>
@@ -5816,7 +5050,7 @@
           <p:cNvPr id="6" name="Footer Placeholder 3">
             <a:extLst>
               <a:ext uri="{FF2B5EF4-FFF2-40B4-BE49-F238E27FC236}">
-                <a16:creationId xmlns:a16="http://schemas.microsoft.com/office/drawing/2014/main" id="{05E1B9B3-E417-47B4-924E-B1B013AF610E}"/>
+                <a16:creationId xmlns:a16="http://schemas.microsoft.com/office/drawing/2014/main" id="{041D281C-11EB-49BE-A1BD-427FC257A141}"/>
               </a:ext>
             </a:extLst>
           </p:cNvPr>
@@ -5847,7 +5081,7 @@
     </p:spTree>
     <p:extLst>
       <p:ext uri="{BB962C8B-B14F-4D97-AF65-F5344CB8AC3E}">
-        <p14:creationId xmlns:p14="http://schemas.microsoft.com/office/powerpoint/2010/main" val="3160432115"/>
+        <p14:creationId xmlns:p14="http://schemas.microsoft.com/office/powerpoint/2010/main" val="1451314496"/>
       </p:ext>
     </p:extLst>
   </p:cSld>
@@ -5879,7 +5113,7 @@
           <p:cNvPr id="2" name="Title 1">
             <a:extLst>
               <a:ext uri="{FF2B5EF4-FFF2-40B4-BE49-F238E27FC236}">
-                <a16:creationId xmlns:a16="http://schemas.microsoft.com/office/drawing/2014/main" id="{06F64196-5CF3-4005-ADA7-39FB674F616A}"/>
+                <a16:creationId xmlns:a16="http://schemas.microsoft.com/office/drawing/2014/main" id="{1092FDC0-1B83-4A31-B59C-2DC794CEE34F}"/>
               </a:ext>
             </a:extLst>
           </p:cNvPr>
@@ -5897,7 +5131,7 @@
           <a:p>
             <a:r>
               <a:rPr lang="en-US" dirty="0"/>
-              <a:t>Fields of Digital Forensics</a:t>
+              <a:t>Digital Forensics Provides:</a:t>
             </a:r>
           </a:p>
         </p:txBody>
@@ -5907,7 +5141,7 @@
           <p:cNvPr id="3" name="Content Placeholder 2">
             <a:extLst>
               <a:ext uri="{FF2B5EF4-FFF2-40B4-BE49-F238E27FC236}">
-                <a16:creationId xmlns:a16="http://schemas.microsoft.com/office/drawing/2014/main" id="{41DE5BC5-8545-4403-8857-7ECC60C35DC5}"/>
+                <a16:creationId xmlns:a16="http://schemas.microsoft.com/office/drawing/2014/main" id="{A69EAAF1-1E09-473B-B450-BD6333F201CB}"/>
               </a:ext>
             </a:extLst>
           </p:cNvPr>
@@ -5921,68 +5155,79 @@
         <p:spPr/>
         <p:txBody>
           <a:bodyPr>
-            <a:normAutofit fontScale="92500" lnSpcReduction="20000"/>
+            <a:normAutofit fontScale="92500" lnSpcReduction="10000"/>
           </a:bodyPr>
           <a:lstStyle/>
           <a:p>
             <a:r>
               <a:rPr lang="en-US" dirty="0"/>
-              <a:t>Network Forensics</a:t>
-            </a:r>
-          </a:p>
-          <a:p>
-            <a:r>
-              <a:rPr lang="en-US" dirty="0"/>
-              <a:t>Computer Forensics</a:t>
-            </a:r>
-          </a:p>
-          <a:p>
-            <a:r>
-              <a:rPr lang="en-US" dirty="0"/>
-              <a:t>Malware Forensics</a:t>
-            </a:r>
-          </a:p>
-          <a:p>
-            <a:r>
-              <a:rPr lang="en-US" dirty="0"/>
-              <a:t>File System Forensics</a:t>
-            </a:r>
-          </a:p>
-          <a:p>
-            <a:r>
-              <a:rPr lang="en-US" dirty="0"/>
-              <a:t>Memory Forensics</a:t>
-            </a:r>
-          </a:p>
-          <a:p>
-            <a:r>
-              <a:rPr lang="en-US" dirty="0"/>
-              <a:t>Software Forensics</a:t>
-            </a:r>
-          </a:p>
-          <a:p>
-            <a:r>
-              <a:rPr lang="en-US" dirty="0"/>
-              <a:t>Hardware Forensics</a:t>
-            </a:r>
-          </a:p>
-          <a:p>
-            <a:r>
-              <a:rPr lang="en-US" dirty="0"/>
-              <a:t>Mobile Forensics</a:t>
-            </a:r>
-          </a:p>
-          <a:p>
-            <a:r>
-              <a:rPr lang="en-US" dirty="0"/>
-              <a:t>Operating System Forensics</a:t>
-            </a:r>
-          </a:p>
-          <a:p>
-            <a:r>
-              <a:rPr lang="en-US" dirty="0"/>
-              <a:t>…..</a:t>
-            </a:r>
+              <a:t>Cyber Threat Intelligence (CTI)</a:t>
+            </a:r>
+          </a:p>
+          <a:p>
+            <a:pPr lvl="1"/>
+            <a:r>
+              <a:rPr lang="en-US" dirty="0"/>
+              <a:t>Insight to attacker tactics, techniques, and procedure (TTPs)</a:t>
+            </a:r>
+          </a:p>
+          <a:p>
+            <a:pPr lvl="1"/>
+            <a:r>
+              <a:rPr lang="en-US" dirty="0"/>
+              <a:t>Indicators of compromise (IOC)</a:t>
+            </a:r>
+          </a:p>
+          <a:p>
+            <a:pPr lvl="1"/>
+            <a:r>
+              <a:rPr lang="en-US" dirty="0"/>
+              <a:t>Research on adversary capabilities</a:t>
+            </a:r>
+          </a:p>
+          <a:p>
+            <a:pPr lvl="1"/>
+            <a:endParaRPr lang="en-US" dirty="0"/>
+          </a:p>
+          <a:p>
+            <a:r>
+              <a:rPr lang="en-US" dirty="0"/>
+              <a:t>Information for defenders and mitigation engineering</a:t>
+            </a:r>
+          </a:p>
+          <a:p>
+            <a:pPr marL="457200" lvl="1" indent="0">
+              <a:buNone/>
+            </a:pPr>
+            <a:endParaRPr lang="en-US" dirty="0"/>
+          </a:p>
+          <a:p>
+            <a:r>
+              <a:rPr lang="en-US" dirty="0"/>
+              <a:t>Criminal evidence</a:t>
+            </a:r>
+          </a:p>
+          <a:p>
+            <a:pPr lvl="1"/>
+            <a:r>
+              <a:rPr lang="en-US" dirty="0"/>
+              <a:t>Expert witness</a:t>
+            </a:r>
+          </a:p>
+          <a:p>
+            <a:endParaRPr lang="en-US" dirty="0"/>
+          </a:p>
+          <a:p>
+            <a:r>
+              <a:rPr lang="en-US" dirty="0"/>
+              <a:t>Our course will focus mostly on attack forensics</a:t>
+            </a:r>
+          </a:p>
+          <a:p>
+            <a:pPr marL="0" indent="0">
+              <a:buNone/>
+            </a:pPr>
+            <a:endParaRPr lang="en-US" dirty="0"/>
           </a:p>
         </p:txBody>
       </p:sp>
@@ -5991,7 +5236,7 @@
           <p:cNvPr id="5" name="Slide Number Placeholder 4">
             <a:extLst>
               <a:ext uri="{FF2B5EF4-FFF2-40B4-BE49-F238E27FC236}">
-                <a16:creationId xmlns:a16="http://schemas.microsoft.com/office/drawing/2014/main" id="{CE782FB2-E7E5-4772-AB21-6F78830BD26F}"/>
+                <a16:creationId xmlns:a16="http://schemas.microsoft.com/office/drawing/2014/main" id="{8B038F39-ED52-4656-B316-3376DB745C06}"/>
               </a:ext>
             </a:extLst>
           </p:cNvPr>
@@ -6020,7 +5265,7 @@
           <p:cNvPr id="6" name="Footer Placeholder 3">
             <a:extLst>
               <a:ext uri="{FF2B5EF4-FFF2-40B4-BE49-F238E27FC236}">
-                <a16:creationId xmlns:a16="http://schemas.microsoft.com/office/drawing/2014/main" id="{041D281C-11EB-49BE-A1BD-427FC257A141}"/>
+                <a16:creationId xmlns:a16="http://schemas.microsoft.com/office/drawing/2014/main" id="{7CEA3DCD-0860-471D-8B08-BB8EBD635E4B}"/>
               </a:ext>
             </a:extLst>
           </p:cNvPr>
@@ -6051,7 +5296,7 @@
     </p:spTree>
     <p:extLst>
       <p:ext uri="{BB962C8B-B14F-4D97-AF65-F5344CB8AC3E}">
-        <p14:creationId xmlns:p14="http://schemas.microsoft.com/office/powerpoint/2010/main" val="1451314496"/>
+        <p14:creationId xmlns:p14="http://schemas.microsoft.com/office/powerpoint/2010/main" val="1556998189"/>
       </p:ext>
     </p:extLst>
   </p:cSld>
@@ -6080,129 +5325,6 @@
       </p:grpSpPr>
       <p:sp>
         <p:nvSpPr>
-          <p:cNvPr id="2" name="Title 1">
-            <a:extLst>
-              <a:ext uri="{FF2B5EF4-FFF2-40B4-BE49-F238E27FC236}">
-                <a16:creationId xmlns:a16="http://schemas.microsoft.com/office/drawing/2014/main" id="{1092FDC0-1B83-4A31-B59C-2DC794CEE34F}"/>
-              </a:ext>
-            </a:extLst>
-          </p:cNvPr>
-          <p:cNvSpPr>
-            <a:spLocks noGrp="1"/>
-          </p:cNvSpPr>
-          <p:nvPr>
-            <p:ph type="title"/>
-          </p:nvPr>
-        </p:nvSpPr>
-        <p:spPr/>
-        <p:txBody>
-          <a:bodyPr/>
-          <a:lstStyle/>
-          <a:p>
-            <a:r>
-              <a:rPr lang="en-US" dirty="0"/>
-              <a:t>Digital Forensics Provides:</a:t>
-            </a:r>
-          </a:p>
-        </p:txBody>
-      </p:sp>
-      <p:sp>
-        <p:nvSpPr>
-          <p:cNvPr id="3" name="Content Placeholder 2">
-            <a:extLst>
-              <a:ext uri="{FF2B5EF4-FFF2-40B4-BE49-F238E27FC236}">
-                <a16:creationId xmlns:a16="http://schemas.microsoft.com/office/drawing/2014/main" id="{A69EAAF1-1E09-473B-B450-BD6333F201CB}"/>
-              </a:ext>
-            </a:extLst>
-          </p:cNvPr>
-          <p:cNvSpPr>
-            <a:spLocks noGrp="1"/>
-          </p:cNvSpPr>
-          <p:nvPr>
-            <p:ph idx="1"/>
-          </p:nvPr>
-        </p:nvSpPr>
-        <p:spPr/>
-        <p:txBody>
-          <a:bodyPr>
-            <a:normAutofit fontScale="92500" lnSpcReduction="10000"/>
-          </a:bodyPr>
-          <a:lstStyle/>
-          <a:p>
-            <a:r>
-              <a:rPr lang="en-US" dirty="0"/>
-              <a:t>Cyber Threat Intelligence (CTI)</a:t>
-            </a:r>
-          </a:p>
-          <a:p>
-            <a:pPr lvl="1"/>
-            <a:r>
-              <a:rPr lang="en-US" dirty="0"/>
-              <a:t>Insight to attacker tactics, techniques, and procedure (TTPs)</a:t>
-            </a:r>
-          </a:p>
-          <a:p>
-            <a:pPr lvl="1"/>
-            <a:r>
-              <a:rPr lang="en-US" dirty="0"/>
-              <a:t>Indicators of compromise (IOC)</a:t>
-            </a:r>
-          </a:p>
-          <a:p>
-            <a:pPr lvl="1"/>
-            <a:r>
-              <a:rPr lang="en-US" dirty="0"/>
-              <a:t>Research on adversary capabilities</a:t>
-            </a:r>
-          </a:p>
-          <a:p>
-            <a:pPr lvl="1"/>
-            <a:endParaRPr lang="en-US" dirty="0"/>
-          </a:p>
-          <a:p>
-            <a:r>
-              <a:rPr lang="en-US" dirty="0"/>
-              <a:t>Information for defenders and mitigation engineering</a:t>
-            </a:r>
-          </a:p>
-          <a:p>
-            <a:pPr marL="457200" lvl="1" indent="0">
-              <a:buNone/>
-            </a:pPr>
-            <a:endParaRPr lang="en-US" dirty="0"/>
-          </a:p>
-          <a:p>
-            <a:r>
-              <a:rPr lang="en-US" dirty="0"/>
-              <a:t>Criminal evidence</a:t>
-            </a:r>
-          </a:p>
-          <a:p>
-            <a:pPr lvl="1"/>
-            <a:r>
-              <a:rPr lang="en-US" dirty="0"/>
-              <a:t>Expert witness</a:t>
-            </a:r>
-          </a:p>
-          <a:p>
-            <a:endParaRPr lang="en-US" dirty="0"/>
-          </a:p>
-          <a:p>
-            <a:r>
-              <a:rPr lang="en-US" dirty="0"/>
-              <a:t>Our course will focus mostly on attack forensics</a:t>
-            </a:r>
-          </a:p>
-          <a:p>
-            <a:pPr marL="0" indent="0">
-              <a:buNone/>
-            </a:pPr>
-            <a:endParaRPr lang="en-US" dirty="0"/>
-          </a:p>
-        </p:txBody>
-      </p:sp>
-      <p:sp>
-        <p:nvSpPr>
           <p:cNvPr id="5" name="Slide Number Placeholder 4">
             <a:extLst>
               <a:ext uri="{FF2B5EF4-FFF2-40B4-BE49-F238E27FC236}">
@@ -6225,98 +5347,6 @@
             <a:fld id="{C7F36220-D87F-47B8-89B0-52A4EDC587C4}" type="slidenum">
               <a:rPr lang="en-US" smtClean="0"/>
               <a:t>15</a:t>
-            </a:fld>
-            <a:endParaRPr lang="en-US"/>
-          </a:p>
-        </p:txBody>
-      </p:sp>
-      <p:sp>
-        <p:nvSpPr>
-          <p:cNvPr id="6" name="Footer Placeholder 3">
-            <a:extLst>
-              <a:ext uri="{FF2B5EF4-FFF2-40B4-BE49-F238E27FC236}">
-                <a16:creationId xmlns:a16="http://schemas.microsoft.com/office/drawing/2014/main" id="{7CEA3DCD-0860-471D-8B08-BB8EBD635E4B}"/>
-              </a:ext>
-            </a:extLst>
-          </p:cNvPr>
-          <p:cNvSpPr>
-            <a:spLocks noGrp="1"/>
-          </p:cNvSpPr>
-          <p:nvPr>
-            <p:ph type="ftr" sz="quarter" idx="11"/>
-          </p:nvPr>
-        </p:nvSpPr>
-        <p:spPr>
-          <a:xfrm>
-            <a:off x="4038600" y="6356350"/>
-            <a:ext cx="4114800" cy="365125"/>
-          </a:xfrm>
-        </p:spPr>
-        <p:txBody>
-          <a:bodyPr/>
-          <a:lstStyle/>
-          <a:p>
-            <a:r>
-              <a:rPr lang="en-US" dirty="0"/>
-              <a:t>CS483 – Digital Forensics</a:t>
-            </a:r>
-          </a:p>
-        </p:txBody>
-      </p:sp>
-    </p:spTree>
-    <p:extLst>
-      <p:ext uri="{BB962C8B-B14F-4D97-AF65-F5344CB8AC3E}">
-        <p14:creationId xmlns:p14="http://schemas.microsoft.com/office/powerpoint/2010/main" val="1556998189"/>
-      </p:ext>
-    </p:extLst>
-  </p:cSld>
-  <p:clrMapOvr>
-    <a:masterClrMapping/>
-  </p:clrMapOvr>
-</p:sld>
-</file>
-
-<file path=ppt/slides/slide16.xml><?xml version="1.0" encoding="utf-8"?>
-<p:sld xmlns:a="http://schemas.openxmlformats.org/drawingml/2006/main" xmlns:r="http://schemas.openxmlformats.org/officeDocument/2006/relationships" xmlns:p="http://schemas.openxmlformats.org/presentationml/2006/main">
-  <p:cSld>
-    <p:spTree>
-      <p:nvGrpSpPr>
-        <p:cNvPr id="1" name=""/>
-        <p:cNvGrpSpPr/>
-        <p:nvPr/>
-      </p:nvGrpSpPr>
-      <p:grpSpPr>
-        <a:xfrm>
-          <a:off x="0" y="0"/>
-          <a:ext cx="0" cy="0"/>
-          <a:chOff x="0" y="0"/>
-          <a:chExt cx="0" cy="0"/>
-        </a:xfrm>
-      </p:grpSpPr>
-      <p:sp>
-        <p:nvSpPr>
-          <p:cNvPr id="5" name="Slide Number Placeholder 4">
-            <a:extLst>
-              <a:ext uri="{FF2B5EF4-FFF2-40B4-BE49-F238E27FC236}">
-                <a16:creationId xmlns:a16="http://schemas.microsoft.com/office/drawing/2014/main" id="{8B038F39-ED52-4656-B316-3376DB745C06}"/>
-              </a:ext>
-            </a:extLst>
-          </p:cNvPr>
-          <p:cNvSpPr>
-            <a:spLocks noGrp="1"/>
-          </p:cNvSpPr>
-          <p:nvPr>
-            <p:ph type="sldNum" sz="quarter" idx="12"/>
-          </p:nvPr>
-        </p:nvSpPr>
-        <p:spPr/>
-        <p:txBody>
-          <a:bodyPr/>
-          <a:lstStyle/>
-          <a:p>
-            <a:fld id="{C7F36220-D87F-47B8-89B0-52A4EDC587C4}" type="slidenum">
-              <a:rPr lang="en-US" smtClean="0"/>
-              <a:t>16</a:t>
             </a:fld>
             <a:endParaRPr lang="en-US"/>
           </a:p>
@@ -6537,6 +5567,243 @@
 </p:sld>
 </file>
 
+<file path=ppt/slides/slide16.xml><?xml version="1.0" encoding="utf-8"?>
+<p:sld xmlns:a="http://schemas.openxmlformats.org/drawingml/2006/main" xmlns:r="http://schemas.openxmlformats.org/officeDocument/2006/relationships" xmlns:p="http://schemas.openxmlformats.org/presentationml/2006/main">
+  <p:cSld>
+    <p:spTree>
+      <p:nvGrpSpPr>
+        <p:cNvPr id="1" name=""/>
+        <p:cNvGrpSpPr/>
+        <p:nvPr/>
+      </p:nvGrpSpPr>
+      <p:grpSpPr>
+        <a:xfrm>
+          <a:off x="0" y="0"/>
+          <a:ext cx="0" cy="0"/>
+          <a:chOff x="0" y="0"/>
+          <a:chExt cx="0" cy="0"/>
+        </a:xfrm>
+      </p:grpSpPr>
+      <p:sp>
+        <p:nvSpPr>
+          <p:cNvPr id="2" name="Title 1">
+            <a:extLst>
+              <a:ext uri="{FF2B5EF4-FFF2-40B4-BE49-F238E27FC236}">
+                <a16:creationId xmlns:a16="http://schemas.microsoft.com/office/drawing/2014/main" id="{9D37C9BD-EA33-453F-80CF-FCE9E7531F9C}"/>
+              </a:ext>
+            </a:extLst>
+          </p:cNvPr>
+          <p:cNvSpPr>
+            <a:spLocks noGrp="1"/>
+          </p:cNvSpPr>
+          <p:nvPr>
+            <p:ph type="title"/>
+          </p:nvPr>
+        </p:nvSpPr>
+        <p:spPr/>
+        <p:txBody>
+          <a:bodyPr/>
+          <a:lstStyle/>
+          <a:p>
+            <a:r>
+              <a:rPr lang="en-US" dirty="0"/>
+              <a:t>The Daubert Standard</a:t>
+            </a:r>
+          </a:p>
+        </p:txBody>
+      </p:sp>
+      <p:sp>
+        <p:nvSpPr>
+          <p:cNvPr id="3" name="Content Placeholder 2">
+            <a:extLst>
+              <a:ext uri="{FF2B5EF4-FFF2-40B4-BE49-F238E27FC236}">
+                <a16:creationId xmlns:a16="http://schemas.microsoft.com/office/drawing/2014/main" id="{850E52DC-F5A4-4515-932F-3CC8F8D76B9D}"/>
+              </a:ext>
+            </a:extLst>
+          </p:cNvPr>
+          <p:cNvSpPr>
+            <a:spLocks noGrp="1"/>
+          </p:cNvSpPr>
+          <p:nvPr>
+            <p:ph idx="1"/>
+          </p:nvPr>
+        </p:nvSpPr>
+        <p:spPr/>
+        <p:txBody>
+          <a:bodyPr>
+            <a:normAutofit fontScale="92500" lnSpcReduction="20000"/>
+          </a:bodyPr>
+          <a:lstStyle/>
+          <a:p>
+            <a:r>
+              <a:rPr lang="en-US" dirty="0"/>
+              <a:t>Supreme Court case </a:t>
+            </a:r>
+            <a:r>
+              <a:rPr lang="en-US" dirty="0">
+                <a:hlinkClick r:id="rId3">
+                  <a:extLst>
+                    <a:ext uri="{A12FA001-AC4F-418D-AE19-62706E023703}">
+                      <ahyp:hlinkClr xmlns:ahyp="http://schemas.microsoft.com/office/drawing/2018/hyperlinkcolor" val="tx"/>
+                    </a:ext>
+                  </a:extLst>
+                </a:hlinkClick>
+              </a:rPr>
+              <a:t>Daubert v. Merrell Dow Pharmaceuticals Inc., 509 U.S. 579 (1993)</a:t>
+            </a:r>
+            <a:endParaRPr lang="en-US" dirty="0"/>
+          </a:p>
+          <a:p>
+            <a:pPr marL="0" indent="0">
+              <a:buNone/>
+            </a:pPr>
+            <a:endParaRPr lang="en-US" dirty="0"/>
+          </a:p>
+          <a:p>
+            <a:r>
+              <a:rPr lang="en-US" dirty="0"/>
+              <a:t>C</a:t>
+            </a:r>
+            <a:r>
+              <a:rPr lang="en-US" i="0" dirty="0">
+                <a:effectLst/>
+              </a:rPr>
+              <a:t>riteria used to determine the admissibility of expert witness testimony in court</a:t>
+            </a:r>
+          </a:p>
+          <a:p>
+            <a:pPr lvl="1"/>
+            <a:r>
+              <a:rPr lang="en-US" dirty="0"/>
+              <a:t>Judge can assess if an expert witness’s scientific testimony is based on scientifically valid reasoning that is properly applied to the facts at issue.</a:t>
+            </a:r>
+          </a:p>
+          <a:p>
+            <a:endParaRPr lang="en-US" dirty="0"/>
+          </a:p>
+          <a:p>
+            <a:r>
+              <a:rPr lang="en-US" dirty="0"/>
+              <a:t>Currently used in federal courts and some state courts</a:t>
+            </a:r>
+          </a:p>
+          <a:p>
+            <a:pPr lvl="1"/>
+            <a:r>
+              <a:rPr lang="en-US" dirty="0"/>
+              <a:t>Replaced the </a:t>
+            </a:r>
+            <a:r>
+              <a:rPr lang="en-US" dirty="0">
+                <a:hlinkClick r:id="rId4">
+                  <a:extLst>
+                    <a:ext uri="{A12FA001-AC4F-418D-AE19-62706E023703}">
+                      <ahyp:hlinkClr xmlns:ahyp="http://schemas.microsoft.com/office/drawing/2018/hyperlinkcolor" val="tx"/>
+                    </a:ext>
+                  </a:extLst>
+                </a:hlinkClick>
+              </a:rPr>
+              <a:t>Frye standard</a:t>
+            </a:r>
+            <a:endParaRPr lang="en-US" dirty="0"/>
+          </a:p>
+          <a:p>
+            <a:pPr marL="0" indent="0">
+              <a:buNone/>
+            </a:pPr>
+            <a:endParaRPr lang="en-US" dirty="0"/>
+          </a:p>
+          <a:p>
+            <a:r>
+              <a:rPr lang="en-US" dirty="0"/>
+              <a:t>More information on Daubert can be found </a:t>
+            </a:r>
+            <a:r>
+              <a:rPr lang="en-US" dirty="0">
+                <a:hlinkClick r:id="rId5">
+                  <a:extLst>
+                    <a:ext uri="{A12FA001-AC4F-418D-AE19-62706E023703}">
+                      <ahyp:hlinkClr xmlns:ahyp="http://schemas.microsoft.com/office/drawing/2018/hyperlinkcolor" val="tx"/>
+                    </a:ext>
+                  </a:extLst>
+                </a:hlinkClick>
+              </a:rPr>
+              <a:t>here</a:t>
+            </a:r>
+            <a:endParaRPr lang="en-US" dirty="0"/>
+          </a:p>
+        </p:txBody>
+      </p:sp>
+      <p:sp>
+        <p:nvSpPr>
+          <p:cNvPr id="4" name="Footer Placeholder 3">
+            <a:extLst>
+              <a:ext uri="{FF2B5EF4-FFF2-40B4-BE49-F238E27FC236}">
+                <a16:creationId xmlns:a16="http://schemas.microsoft.com/office/drawing/2014/main" id="{4DE80DCC-A601-4853-B98C-0D21AB3BC4F2}"/>
+              </a:ext>
+            </a:extLst>
+          </p:cNvPr>
+          <p:cNvSpPr>
+            <a:spLocks noGrp="1"/>
+          </p:cNvSpPr>
+          <p:nvPr>
+            <p:ph type="ftr" sz="quarter" idx="11"/>
+          </p:nvPr>
+        </p:nvSpPr>
+        <p:spPr/>
+        <p:txBody>
+          <a:bodyPr/>
+          <a:lstStyle/>
+          <a:p>
+            <a:r>
+              <a:rPr lang="en-US" dirty="0"/>
+              <a:t>CS483 – Digital Forensics</a:t>
+            </a:r>
+          </a:p>
+        </p:txBody>
+      </p:sp>
+      <p:sp>
+        <p:nvSpPr>
+          <p:cNvPr id="5" name="Slide Number Placeholder 4">
+            <a:extLst>
+              <a:ext uri="{FF2B5EF4-FFF2-40B4-BE49-F238E27FC236}">
+                <a16:creationId xmlns:a16="http://schemas.microsoft.com/office/drawing/2014/main" id="{14865A00-0EBE-4B04-8C87-A1D9806A2C06}"/>
+              </a:ext>
+            </a:extLst>
+          </p:cNvPr>
+          <p:cNvSpPr>
+            <a:spLocks noGrp="1"/>
+          </p:cNvSpPr>
+          <p:nvPr>
+            <p:ph type="sldNum" sz="quarter" idx="12"/>
+          </p:nvPr>
+        </p:nvSpPr>
+        <p:spPr/>
+        <p:txBody>
+          <a:bodyPr/>
+          <a:lstStyle/>
+          <a:p>
+            <a:fld id="{C7F36220-D87F-47B8-89B0-52A4EDC587C4}" type="slidenum">
+              <a:rPr lang="en-US" smtClean="0"/>
+              <a:t>16</a:t>
+            </a:fld>
+            <a:endParaRPr lang="en-US"/>
+          </a:p>
+        </p:txBody>
+      </p:sp>
+    </p:spTree>
+    <p:extLst>
+      <p:ext uri="{BB962C8B-B14F-4D97-AF65-F5344CB8AC3E}">
+        <p14:creationId xmlns:p14="http://schemas.microsoft.com/office/powerpoint/2010/main" val="643751360"/>
+      </p:ext>
+    </p:extLst>
+  </p:cSld>
+  <p:clrMapOvr>
+    <a:masterClrMapping/>
+  </p:clrMapOvr>
+</p:sld>
+</file>
+
 <file path=ppt/slides/slide17.xml><?xml version="1.0" encoding="utf-8"?>
 <p:sld xmlns:a="http://schemas.openxmlformats.org/drawingml/2006/main" xmlns:r="http://schemas.openxmlformats.org/officeDocument/2006/relationships" xmlns:p="http://schemas.openxmlformats.org/presentationml/2006/main">
   <p:cSld>
@@ -6577,243 +5844,6 @@
           <a:p>
             <a:r>
               <a:rPr lang="en-US" dirty="0"/>
-              <a:t>The Daubert Standard</a:t>
-            </a:r>
-          </a:p>
-        </p:txBody>
-      </p:sp>
-      <p:sp>
-        <p:nvSpPr>
-          <p:cNvPr id="3" name="Content Placeholder 2">
-            <a:extLst>
-              <a:ext uri="{FF2B5EF4-FFF2-40B4-BE49-F238E27FC236}">
-                <a16:creationId xmlns:a16="http://schemas.microsoft.com/office/drawing/2014/main" id="{850E52DC-F5A4-4515-932F-3CC8F8D76B9D}"/>
-              </a:ext>
-            </a:extLst>
-          </p:cNvPr>
-          <p:cNvSpPr>
-            <a:spLocks noGrp="1"/>
-          </p:cNvSpPr>
-          <p:nvPr>
-            <p:ph idx="1"/>
-          </p:nvPr>
-        </p:nvSpPr>
-        <p:spPr/>
-        <p:txBody>
-          <a:bodyPr>
-            <a:normAutofit fontScale="92500" lnSpcReduction="20000"/>
-          </a:bodyPr>
-          <a:lstStyle/>
-          <a:p>
-            <a:r>
-              <a:rPr lang="en-US" dirty="0"/>
-              <a:t>Supreme Court case </a:t>
-            </a:r>
-            <a:r>
-              <a:rPr lang="en-US" dirty="0">
-                <a:hlinkClick r:id="rId3">
-                  <a:extLst>
-                    <a:ext uri="{A12FA001-AC4F-418D-AE19-62706E023703}">
-                      <ahyp:hlinkClr xmlns:ahyp="http://schemas.microsoft.com/office/drawing/2018/hyperlinkcolor" val="tx"/>
-                    </a:ext>
-                  </a:extLst>
-                </a:hlinkClick>
-              </a:rPr>
-              <a:t>Daubert v. Merrell Dow Pharmaceuticals Inc., 509 U.S. 579 (1993)</a:t>
-            </a:r>
-            <a:endParaRPr lang="en-US" dirty="0"/>
-          </a:p>
-          <a:p>
-            <a:pPr marL="0" indent="0">
-              <a:buNone/>
-            </a:pPr>
-            <a:endParaRPr lang="en-US" dirty="0"/>
-          </a:p>
-          <a:p>
-            <a:r>
-              <a:rPr lang="en-US" dirty="0"/>
-              <a:t>C</a:t>
-            </a:r>
-            <a:r>
-              <a:rPr lang="en-US" i="0" dirty="0">
-                <a:effectLst/>
-              </a:rPr>
-              <a:t>riteria used to determine the admissibility of expert witness testimony in court</a:t>
-            </a:r>
-          </a:p>
-          <a:p>
-            <a:pPr lvl="1"/>
-            <a:r>
-              <a:rPr lang="en-US" dirty="0"/>
-              <a:t>Judge can assess if an expert witness’s scientific testimony is based on scientifically valid reasoning that is properly applied to the facts at issue.</a:t>
-            </a:r>
-          </a:p>
-          <a:p>
-            <a:endParaRPr lang="en-US" dirty="0"/>
-          </a:p>
-          <a:p>
-            <a:r>
-              <a:rPr lang="en-US" dirty="0"/>
-              <a:t>Currently used in federal courts and some state courts</a:t>
-            </a:r>
-          </a:p>
-          <a:p>
-            <a:pPr lvl="1"/>
-            <a:r>
-              <a:rPr lang="en-US" dirty="0"/>
-              <a:t>Replaced the </a:t>
-            </a:r>
-            <a:r>
-              <a:rPr lang="en-US" dirty="0">
-                <a:hlinkClick r:id="rId4">
-                  <a:extLst>
-                    <a:ext uri="{A12FA001-AC4F-418D-AE19-62706E023703}">
-                      <ahyp:hlinkClr xmlns:ahyp="http://schemas.microsoft.com/office/drawing/2018/hyperlinkcolor" val="tx"/>
-                    </a:ext>
-                  </a:extLst>
-                </a:hlinkClick>
-              </a:rPr>
-              <a:t>Frye standard</a:t>
-            </a:r>
-            <a:endParaRPr lang="en-US" dirty="0"/>
-          </a:p>
-          <a:p>
-            <a:pPr marL="0" indent="0">
-              <a:buNone/>
-            </a:pPr>
-            <a:endParaRPr lang="en-US" dirty="0"/>
-          </a:p>
-          <a:p>
-            <a:r>
-              <a:rPr lang="en-US" dirty="0"/>
-              <a:t>More information on Daubert can be found </a:t>
-            </a:r>
-            <a:r>
-              <a:rPr lang="en-US" dirty="0">
-                <a:hlinkClick r:id="rId5">
-                  <a:extLst>
-                    <a:ext uri="{A12FA001-AC4F-418D-AE19-62706E023703}">
-                      <ahyp:hlinkClr xmlns:ahyp="http://schemas.microsoft.com/office/drawing/2018/hyperlinkcolor" val="tx"/>
-                    </a:ext>
-                  </a:extLst>
-                </a:hlinkClick>
-              </a:rPr>
-              <a:t>here</a:t>
-            </a:r>
-            <a:endParaRPr lang="en-US" dirty="0"/>
-          </a:p>
-        </p:txBody>
-      </p:sp>
-      <p:sp>
-        <p:nvSpPr>
-          <p:cNvPr id="4" name="Footer Placeholder 3">
-            <a:extLst>
-              <a:ext uri="{FF2B5EF4-FFF2-40B4-BE49-F238E27FC236}">
-                <a16:creationId xmlns:a16="http://schemas.microsoft.com/office/drawing/2014/main" id="{4DE80DCC-A601-4853-B98C-0D21AB3BC4F2}"/>
-              </a:ext>
-            </a:extLst>
-          </p:cNvPr>
-          <p:cNvSpPr>
-            <a:spLocks noGrp="1"/>
-          </p:cNvSpPr>
-          <p:nvPr>
-            <p:ph type="ftr" sz="quarter" idx="11"/>
-          </p:nvPr>
-        </p:nvSpPr>
-        <p:spPr/>
-        <p:txBody>
-          <a:bodyPr/>
-          <a:lstStyle/>
-          <a:p>
-            <a:r>
-              <a:rPr lang="en-US" dirty="0"/>
-              <a:t>CS483 – Digital Forensics</a:t>
-            </a:r>
-          </a:p>
-        </p:txBody>
-      </p:sp>
-      <p:sp>
-        <p:nvSpPr>
-          <p:cNvPr id="5" name="Slide Number Placeholder 4">
-            <a:extLst>
-              <a:ext uri="{FF2B5EF4-FFF2-40B4-BE49-F238E27FC236}">
-                <a16:creationId xmlns:a16="http://schemas.microsoft.com/office/drawing/2014/main" id="{14865A00-0EBE-4B04-8C87-A1D9806A2C06}"/>
-              </a:ext>
-            </a:extLst>
-          </p:cNvPr>
-          <p:cNvSpPr>
-            <a:spLocks noGrp="1"/>
-          </p:cNvSpPr>
-          <p:nvPr>
-            <p:ph type="sldNum" sz="quarter" idx="12"/>
-          </p:nvPr>
-        </p:nvSpPr>
-        <p:spPr/>
-        <p:txBody>
-          <a:bodyPr/>
-          <a:lstStyle/>
-          <a:p>
-            <a:fld id="{C7F36220-D87F-47B8-89B0-52A4EDC587C4}" type="slidenum">
-              <a:rPr lang="en-US" smtClean="0"/>
-              <a:t>17</a:t>
-            </a:fld>
-            <a:endParaRPr lang="en-US"/>
-          </a:p>
-        </p:txBody>
-      </p:sp>
-    </p:spTree>
-    <p:extLst>
-      <p:ext uri="{BB962C8B-B14F-4D97-AF65-F5344CB8AC3E}">
-        <p14:creationId xmlns:p14="http://schemas.microsoft.com/office/powerpoint/2010/main" val="643751360"/>
-      </p:ext>
-    </p:extLst>
-  </p:cSld>
-  <p:clrMapOvr>
-    <a:masterClrMapping/>
-  </p:clrMapOvr>
-</p:sld>
-</file>
-
-<file path=ppt/slides/slide18.xml><?xml version="1.0" encoding="utf-8"?>
-<p:sld xmlns:a="http://schemas.openxmlformats.org/drawingml/2006/main" xmlns:r="http://schemas.openxmlformats.org/officeDocument/2006/relationships" xmlns:p="http://schemas.openxmlformats.org/presentationml/2006/main">
-  <p:cSld>
-    <p:spTree>
-      <p:nvGrpSpPr>
-        <p:cNvPr id="1" name=""/>
-        <p:cNvGrpSpPr/>
-        <p:nvPr/>
-      </p:nvGrpSpPr>
-      <p:grpSpPr>
-        <a:xfrm>
-          <a:off x="0" y="0"/>
-          <a:ext cx="0" cy="0"/>
-          <a:chOff x="0" y="0"/>
-          <a:chExt cx="0" cy="0"/>
-        </a:xfrm>
-      </p:grpSpPr>
-      <p:sp>
-        <p:nvSpPr>
-          <p:cNvPr id="2" name="Title 1">
-            <a:extLst>
-              <a:ext uri="{FF2B5EF4-FFF2-40B4-BE49-F238E27FC236}">
-                <a16:creationId xmlns:a16="http://schemas.microsoft.com/office/drawing/2014/main" id="{9D37C9BD-EA33-453F-80CF-FCE9E7531F9C}"/>
-              </a:ext>
-            </a:extLst>
-          </p:cNvPr>
-          <p:cNvSpPr>
-            <a:spLocks noGrp="1"/>
-          </p:cNvSpPr>
-          <p:nvPr>
-            <p:ph type="title"/>
-          </p:nvPr>
-        </p:nvSpPr>
-        <p:spPr/>
-        <p:txBody>
-          <a:bodyPr/>
-          <a:lstStyle/>
-          <a:p>
-            <a:r>
-              <a:rPr lang="en-US" dirty="0"/>
               <a:t>The Daubert Factors</a:t>
             </a:r>
           </a:p>
@@ -6965,7 +5995,7 @@
           <a:p>
             <a:fld id="{C7F36220-D87F-47B8-89B0-52A4EDC587C4}" type="slidenum">
               <a:rPr lang="en-US" smtClean="0"/>
-              <a:t>18</a:t>
+              <a:t>17</a:t>
             </a:fld>
             <a:endParaRPr lang="en-US"/>
           </a:p>
@@ -6984,7 +6014,7 @@
 </p:sld>
 </file>
 
-<file path=ppt/slides/slide19.xml><?xml version="1.0" encoding="utf-8"?>
+<file path=ppt/slides/slide18.xml><?xml version="1.0" encoding="utf-8"?>
 <p:sld xmlns:a="http://schemas.openxmlformats.org/drawingml/2006/main" xmlns:r="http://schemas.openxmlformats.org/officeDocument/2006/relationships" xmlns:p="http://schemas.openxmlformats.org/presentationml/2006/main">
   <p:cSld>
     <p:bg>
@@ -7518,7 +6548,7 @@
                   <a:spcPts val="600"/>
                 </a:spcAft>
               </a:pPr>
-              <a:t>19</a:t>
+              <a:t>18</a:t>
             </a:fld>
             <a:endParaRPr lang="en-US">
               <a:solidFill>
@@ -7541,7 +6571,7 @@
 </p:sld>
 </file>
 
-<file path=ppt/slides/slide2.xml><?xml version="1.0" encoding="utf-8"?>
+<file path=ppt/slides/slide19.xml><?xml version="1.0" encoding="utf-8"?>
 <p:sld xmlns:a="http://schemas.openxmlformats.org/drawingml/2006/main" xmlns:r="http://schemas.openxmlformats.org/officeDocument/2006/relationships" xmlns:p="http://schemas.openxmlformats.org/presentationml/2006/main">
   <p:cSld>
     <p:spTree>
@@ -7560,100 +6590,10 @@
       </p:grpSpPr>
       <p:sp>
         <p:nvSpPr>
-          <p:cNvPr id="2" name="Title 1">
-            <a:extLst>
-              <a:ext uri="{FF2B5EF4-FFF2-40B4-BE49-F238E27FC236}">
-                <a16:creationId xmlns:a16="http://schemas.microsoft.com/office/drawing/2014/main" id="{B1AD3F61-C011-412A-91E7-7D8E266D306A}"/>
-              </a:ext>
-            </a:extLst>
-          </p:cNvPr>
-          <p:cNvSpPr>
-            <a:spLocks noGrp="1"/>
-          </p:cNvSpPr>
-          <p:nvPr>
-            <p:ph type="title"/>
-          </p:nvPr>
-        </p:nvSpPr>
-        <p:spPr/>
-        <p:txBody>
-          <a:bodyPr/>
-          <a:lstStyle/>
-          <a:p>
-            <a:r>
-              <a:rPr lang="en-US" dirty="0"/>
-              <a:t>Course Objective</a:t>
-            </a:r>
-          </a:p>
-        </p:txBody>
-      </p:sp>
-      <p:sp>
-        <p:nvSpPr>
-          <p:cNvPr id="3" name="Content Placeholder 2">
-            <a:extLst>
-              <a:ext uri="{FF2B5EF4-FFF2-40B4-BE49-F238E27FC236}">
-                <a16:creationId xmlns:a16="http://schemas.microsoft.com/office/drawing/2014/main" id="{638A66BC-81E0-4941-867E-C729061E68D2}"/>
-              </a:ext>
-            </a:extLst>
-          </p:cNvPr>
-          <p:cNvSpPr>
-            <a:spLocks noGrp="1"/>
-          </p:cNvSpPr>
-          <p:nvPr>
-            <p:ph idx="1"/>
-          </p:nvPr>
-        </p:nvSpPr>
-        <p:spPr/>
-        <p:txBody>
-          <a:bodyPr>
-            <a:normAutofit/>
-          </a:bodyPr>
-          <a:lstStyle/>
-          <a:p>
-            <a:pPr marL="0" indent="0" algn="l">
-              <a:buNone/>
-            </a:pPr>
-            <a:r>
-              <a:rPr lang="en-US" sz="3400" b="0" i="0" u="none" strike="noStrike" baseline="0" dirty="0"/>
-              <a:t>This course will introduce students the concepts underlying Digital Forensics, current techniques used in the identification of malicious or unwanted behavior on computer systems and lay the foundation for future work in the analysis of malicious software.</a:t>
-            </a:r>
-            <a:endParaRPr lang="en-US" sz="3400" dirty="0"/>
-          </a:p>
-        </p:txBody>
-      </p:sp>
-      <p:sp>
-        <p:nvSpPr>
-          <p:cNvPr id="4" name="Footer Placeholder 3">
-            <a:extLst>
-              <a:ext uri="{FF2B5EF4-FFF2-40B4-BE49-F238E27FC236}">
-                <a16:creationId xmlns:a16="http://schemas.microsoft.com/office/drawing/2014/main" id="{F83F46DA-74A0-4C2C-86E4-7054962BFC2D}"/>
-              </a:ext>
-            </a:extLst>
-          </p:cNvPr>
-          <p:cNvSpPr>
-            <a:spLocks noGrp="1"/>
-          </p:cNvSpPr>
-          <p:nvPr>
-            <p:ph type="ftr" sz="quarter" idx="11"/>
-          </p:nvPr>
-        </p:nvSpPr>
-        <p:spPr/>
-        <p:txBody>
-          <a:bodyPr/>
-          <a:lstStyle/>
-          <a:p>
-            <a:r>
-              <a:rPr lang="en-US" dirty="0"/>
-              <a:t>CS483 – Digital Forensics</a:t>
-            </a:r>
-          </a:p>
-        </p:txBody>
-      </p:sp>
-      <p:sp>
-        <p:nvSpPr>
           <p:cNvPr id="5" name="Slide Number Placeholder 4">
             <a:extLst>
               <a:ext uri="{FF2B5EF4-FFF2-40B4-BE49-F238E27FC236}">
-                <a16:creationId xmlns:a16="http://schemas.microsoft.com/office/drawing/2014/main" id="{CD47D271-5428-4467-AE8A-04074315B00E}"/>
+                <a16:creationId xmlns:a16="http://schemas.microsoft.com/office/drawing/2014/main" id="{8B038F39-ED52-4656-B316-3376DB745C06}"/>
               </a:ext>
             </a:extLst>
           </p:cNvPr>
@@ -7671,66 +6611,7 @@
           <a:p>
             <a:fld id="{C7F36220-D87F-47B8-89B0-52A4EDC587C4}" type="slidenum">
               <a:rPr lang="en-US" smtClean="0"/>
-              <a:t>2</a:t>
-            </a:fld>
-            <a:endParaRPr lang="en-US"/>
-          </a:p>
-        </p:txBody>
-      </p:sp>
-    </p:spTree>
-    <p:extLst>
-      <p:ext uri="{BB962C8B-B14F-4D97-AF65-F5344CB8AC3E}">
-        <p14:creationId xmlns:p14="http://schemas.microsoft.com/office/powerpoint/2010/main" val="3415481060"/>
-      </p:ext>
-    </p:extLst>
-  </p:cSld>
-  <p:clrMapOvr>
-    <a:masterClrMapping/>
-  </p:clrMapOvr>
-</p:sld>
-</file>
-
-<file path=ppt/slides/slide20.xml><?xml version="1.0" encoding="utf-8"?>
-<p:sld xmlns:a="http://schemas.openxmlformats.org/drawingml/2006/main" xmlns:r="http://schemas.openxmlformats.org/officeDocument/2006/relationships" xmlns:p="http://schemas.openxmlformats.org/presentationml/2006/main">
-  <p:cSld>
-    <p:spTree>
-      <p:nvGrpSpPr>
-        <p:cNvPr id="1" name=""/>
-        <p:cNvGrpSpPr/>
-        <p:nvPr/>
-      </p:nvGrpSpPr>
-      <p:grpSpPr>
-        <a:xfrm>
-          <a:off x="0" y="0"/>
-          <a:ext cx="0" cy="0"/>
-          <a:chOff x="0" y="0"/>
-          <a:chExt cx="0" cy="0"/>
-        </a:xfrm>
-      </p:grpSpPr>
-      <p:sp>
-        <p:nvSpPr>
-          <p:cNvPr id="5" name="Slide Number Placeholder 4">
-            <a:extLst>
-              <a:ext uri="{FF2B5EF4-FFF2-40B4-BE49-F238E27FC236}">
-                <a16:creationId xmlns:a16="http://schemas.microsoft.com/office/drawing/2014/main" id="{8B038F39-ED52-4656-B316-3376DB745C06}"/>
-              </a:ext>
-            </a:extLst>
-          </p:cNvPr>
-          <p:cNvSpPr>
-            <a:spLocks noGrp="1"/>
-          </p:cNvSpPr>
-          <p:nvPr>
-            <p:ph type="sldNum" sz="quarter" idx="12"/>
-          </p:nvPr>
-        </p:nvSpPr>
-        <p:spPr/>
-        <p:txBody>
-          <a:bodyPr/>
-          <a:lstStyle/>
-          <a:p>
-            <a:fld id="{C7F36220-D87F-47B8-89B0-52A4EDC587C4}" type="slidenum">
-              <a:rPr lang="en-US" smtClean="0"/>
-              <a:t>20</a:t>
+              <a:t>19</a:t>
             </a:fld>
             <a:endParaRPr lang="en-US"/>
           </a:p>
@@ -7951,7 +6832,7 @@
 </p:sld>
 </file>
 
-<file path=ppt/slides/slide21.xml><?xml version="1.0" encoding="utf-8"?>
+<file path=ppt/slides/slide2.xml><?xml version="1.0" encoding="utf-8"?>
 <p:sld xmlns:a="http://schemas.openxmlformats.org/drawingml/2006/main" xmlns:r="http://schemas.openxmlformats.org/officeDocument/2006/relationships" xmlns:p="http://schemas.openxmlformats.org/presentationml/2006/main">
   <p:cSld>
     <p:spTree>
@@ -7973,6 +6854,155 @@
           <p:cNvPr id="2" name="Title 1">
             <a:extLst>
               <a:ext uri="{FF2B5EF4-FFF2-40B4-BE49-F238E27FC236}">
+                <a16:creationId xmlns:a16="http://schemas.microsoft.com/office/drawing/2014/main" id="{B1AD3F61-C011-412A-91E7-7D8E266D306A}"/>
+              </a:ext>
+            </a:extLst>
+          </p:cNvPr>
+          <p:cNvSpPr>
+            <a:spLocks noGrp="1"/>
+          </p:cNvSpPr>
+          <p:nvPr>
+            <p:ph type="title"/>
+          </p:nvPr>
+        </p:nvSpPr>
+        <p:spPr/>
+        <p:txBody>
+          <a:bodyPr/>
+          <a:lstStyle/>
+          <a:p>
+            <a:r>
+              <a:rPr lang="en-US" dirty="0"/>
+              <a:t>Course Objective</a:t>
+            </a:r>
+          </a:p>
+        </p:txBody>
+      </p:sp>
+      <p:sp>
+        <p:nvSpPr>
+          <p:cNvPr id="3" name="Content Placeholder 2">
+            <a:extLst>
+              <a:ext uri="{FF2B5EF4-FFF2-40B4-BE49-F238E27FC236}">
+                <a16:creationId xmlns:a16="http://schemas.microsoft.com/office/drawing/2014/main" id="{638A66BC-81E0-4941-867E-C729061E68D2}"/>
+              </a:ext>
+            </a:extLst>
+          </p:cNvPr>
+          <p:cNvSpPr>
+            <a:spLocks noGrp="1"/>
+          </p:cNvSpPr>
+          <p:nvPr>
+            <p:ph idx="1"/>
+          </p:nvPr>
+        </p:nvSpPr>
+        <p:spPr/>
+        <p:txBody>
+          <a:bodyPr>
+            <a:normAutofit/>
+          </a:bodyPr>
+          <a:lstStyle/>
+          <a:p>
+            <a:pPr marL="0" indent="0" algn="l">
+              <a:buNone/>
+            </a:pPr>
+            <a:r>
+              <a:rPr lang="en-US" sz="3400" b="0" i="0" u="none" strike="noStrike" baseline="0" dirty="0"/>
+              <a:t>This course will introduce students the concepts underlying Digital Forensics, current techniques used in the identification of malicious or unwanted behavior on computer systems and lay the foundation for future work in the analysis of malicious software.</a:t>
+            </a:r>
+            <a:endParaRPr lang="en-US" sz="3400" dirty="0"/>
+          </a:p>
+        </p:txBody>
+      </p:sp>
+      <p:sp>
+        <p:nvSpPr>
+          <p:cNvPr id="4" name="Footer Placeholder 3">
+            <a:extLst>
+              <a:ext uri="{FF2B5EF4-FFF2-40B4-BE49-F238E27FC236}">
+                <a16:creationId xmlns:a16="http://schemas.microsoft.com/office/drawing/2014/main" id="{F83F46DA-74A0-4C2C-86E4-7054962BFC2D}"/>
+              </a:ext>
+            </a:extLst>
+          </p:cNvPr>
+          <p:cNvSpPr>
+            <a:spLocks noGrp="1"/>
+          </p:cNvSpPr>
+          <p:nvPr>
+            <p:ph type="ftr" sz="quarter" idx="11"/>
+          </p:nvPr>
+        </p:nvSpPr>
+        <p:spPr/>
+        <p:txBody>
+          <a:bodyPr/>
+          <a:lstStyle/>
+          <a:p>
+            <a:r>
+              <a:rPr lang="en-US" dirty="0"/>
+              <a:t>CS483 – Digital Forensics</a:t>
+            </a:r>
+          </a:p>
+        </p:txBody>
+      </p:sp>
+      <p:sp>
+        <p:nvSpPr>
+          <p:cNvPr id="5" name="Slide Number Placeholder 4">
+            <a:extLst>
+              <a:ext uri="{FF2B5EF4-FFF2-40B4-BE49-F238E27FC236}">
+                <a16:creationId xmlns:a16="http://schemas.microsoft.com/office/drawing/2014/main" id="{CD47D271-5428-4467-AE8A-04074315B00E}"/>
+              </a:ext>
+            </a:extLst>
+          </p:cNvPr>
+          <p:cNvSpPr>
+            <a:spLocks noGrp="1"/>
+          </p:cNvSpPr>
+          <p:nvPr>
+            <p:ph type="sldNum" sz="quarter" idx="12"/>
+          </p:nvPr>
+        </p:nvSpPr>
+        <p:spPr/>
+        <p:txBody>
+          <a:bodyPr/>
+          <a:lstStyle/>
+          <a:p>
+            <a:fld id="{C7F36220-D87F-47B8-89B0-52A4EDC587C4}" type="slidenum">
+              <a:rPr lang="en-US" smtClean="0"/>
+              <a:t>2</a:t>
+            </a:fld>
+            <a:endParaRPr lang="en-US"/>
+          </a:p>
+        </p:txBody>
+      </p:sp>
+    </p:spTree>
+    <p:extLst>
+      <p:ext uri="{BB962C8B-B14F-4D97-AF65-F5344CB8AC3E}">
+        <p14:creationId xmlns:p14="http://schemas.microsoft.com/office/powerpoint/2010/main" val="3415481060"/>
+      </p:ext>
+    </p:extLst>
+  </p:cSld>
+  <p:clrMapOvr>
+    <a:masterClrMapping/>
+  </p:clrMapOvr>
+</p:sld>
+</file>
+
+<file path=ppt/slides/slide20.xml><?xml version="1.0" encoding="utf-8"?>
+<p:sld xmlns:a="http://schemas.openxmlformats.org/drawingml/2006/main" xmlns:r="http://schemas.openxmlformats.org/officeDocument/2006/relationships" xmlns:p="http://schemas.openxmlformats.org/presentationml/2006/main">
+  <p:cSld>
+    <p:spTree>
+      <p:nvGrpSpPr>
+        <p:cNvPr id="1" name=""/>
+        <p:cNvGrpSpPr/>
+        <p:nvPr/>
+      </p:nvGrpSpPr>
+      <p:grpSpPr>
+        <a:xfrm>
+          <a:off x="0" y="0"/>
+          <a:ext cx="0" cy="0"/>
+          <a:chOff x="0" y="0"/>
+          <a:chExt cx="0" cy="0"/>
+        </a:xfrm>
+      </p:grpSpPr>
+      <p:sp>
+        <p:nvSpPr>
+          <p:cNvPr id="2" name="Title 1">
+            <a:extLst>
+              <a:ext uri="{FF2B5EF4-FFF2-40B4-BE49-F238E27FC236}">
                 <a16:creationId xmlns:a16="http://schemas.microsoft.com/office/drawing/2014/main" id="{9D37C9BD-EA33-453F-80CF-FCE9E7531F9C}"/>
               </a:ext>
             </a:extLst>
@@ -8120,7 +7150,7 @@
           <a:p>
             <a:fld id="{C7F36220-D87F-47B8-89B0-52A4EDC587C4}" type="slidenum">
               <a:rPr lang="en-US" smtClean="0"/>
-              <a:t>21</a:t>
+              <a:t>20</a:t>
             </a:fld>
             <a:endParaRPr lang="en-US"/>
           </a:p>
@@ -8191,6 +7221,182 @@
 </p:sld>
 </file>
 
+<file path=ppt/slides/slide21.xml><?xml version="1.0" encoding="utf-8"?>
+<p:sld xmlns:a="http://schemas.openxmlformats.org/drawingml/2006/main" xmlns:r="http://schemas.openxmlformats.org/officeDocument/2006/relationships" xmlns:p="http://schemas.openxmlformats.org/presentationml/2006/main">
+  <p:cSld>
+    <p:spTree>
+      <p:nvGrpSpPr>
+        <p:cNvPr id="1" name=""/>
+        <p:cNvGrpSpPr/>
+        <p:nvPr/>
+      </p:nvGrpSpPr>
+      <p:grpSpPr>
+        <a:xfrm>
+          <a:off x="0" y="0"/>
+          <a:ext cx="0" cy="0"/>
+          <a:chOff x="0" y="0"/>
+          <a:chExt cx="0" cy="0"/>
+        </a:xfrm>
+      </p:grpSpPr>
+      <p:sp>
+        <p:nvSpPr>
+          <p:cNvPr id="2" name="Title 1">
+            <a:extLst>
+              <a:ext uri="{FF2B5EF4-FFF2-40B4-BE49-F238E27FC236}">
+                <a16:creationId xmlns:a16="http://schemas.microsoft.com/office/drawing/2014/main" id="{9D37C9BD-EA33-453F-80CF-FCE9E7531F9C}"/>
+              </a:ext>
+            </a:extLst>
+          </p:cNvPr>
+          <p:cNvSpPr>
+            <a:spLocks noGrp="1"/>
+          </p:cNvSpPr>
+          <p:nvPr>
+            <p:ph type="title"/>
+          </p:nvPr>
+        </p:nvSpPr>
+        <p:spPr/>
+        <p:txBody>
+          <a:bodyPr/>
+          <a:lstStyle/>
+          <a:p>
+            <a:r>
+              <a:rPr lang="en-US" dirty="0"/>
+              <a:t>The Observer Effect</a:t>
+            </a:r>
+          </a:p>
+        </p:txBody>
+      </p:sp>
+      <p:sp>
+        <p:nvSpPr>
+          <p:cNvPr id="3" name="Content Placeholder 2">
+            <a:extLst>
+              <a:ext uri="{FF2B5EF4-FFF2-40B4-BE49-F238E27FC236}">
+                <a16:creationId xmlns:a16="http://schemas.microsoft.com/office/drawing/2014/main" id="{850E52DC-F5A4-4515-932F-3CC8F8D76B9D}"/>
+              </a:ext>
+            </a:extLst>
+          </p:cNvPr>
+          <p:cNvSpPr>
+            <a:spLocks noGrp="1"/>
+          </p:cNvSpPr>
+          <p:nvPr>
+            <p:ph idx="1"/>
+          </p:nvPr>
+        </p:nvSpPr>
+        <p:spPr/>
+        <p:txBody>
+          <a:bodyPr>
+            <a:normAutofit/>
+          </a:bodyPr>
+          <a:lstStyle/>
+          <a:p>
+            <a:r>
+              <a:rPr lang="en-US" dirty="0"/>
+              <a:t>The act of observation influences (changes) the forensic evidence</a:t>
+            </a:r>
+          </a:p>
+          <a:p>
+            <a:r>
+              <a:rPr lang="en-US" dirty="0"/>
+              <a:t>Forensic tools installed on computers alter the system</a:t>
+            </a:r>
+          </a:p>
+          <a:p>
+            <a:r>
+              <a:rPr lang="en-US" dirty="0"/>
+              <a:t>Volatile memory</a:t>
+            </a:r>
+          </a:p>
+          <a:p>
+            <a:pPr marL="0" indent="0">
+              <a:buNone/>
+            </a:pPr>
+            <a:endParaRPr lang="en-US" dirty="0"/>
+          </a:p>
+          <a:p>
+            <a:r>
+              <a:rPr lang="en-US" dirty="0"/>
+              <a:t>Psychological:</a:t>
+            </a:r>
+          </a:p>
+          <a:p>
+            <a:pPr lvl="1"/>
+            <a:r>
+              <a:rPr lang="en-US" dirty="0"/>
+              <a:t>Examiner’s bias and subconscious expectations can influence the outcome of a forensic examination</a:t>
+            </a:r>
+          </a:p>
+        </p:txBody>
+      </p:sp>
+      <p:sp>
+        <p:nvSpPr>
+          <p:cNvPr id="4" name="Footer Placeholder 3">
+            <a:extLst>
+              <a:ext uri="{FF2B5EF4-FFF2-40B4-BE49-F238E27FC236}">
+                <a16:creationId xmlns:a16="http://schemas.microsoft.com/office/drawing/2014/main" id="{4DE80DCC-A601-4853-B98C-0D21AB3BC4F2}"/>
+              </a:ext>
+            </a:extLst>
+          </p:cNvPr>
+          <p:cNvSpPr>
+            <a:spLocks noGrp="1"/>
+          </p:cNvSpPr>
+          <p:nvPr>
+            <p:ph type="ftr" sz="quarter" idx="11"/>
+          </p:nvPr>
+        </p:nvSpPr>
+        <p:spPr/>
+        <p:txBody>
+          <a:bodyPr/>
+          <a:lstStyle/>
+          <a:p>
+            <a:r>
+              <a:rPr lang="en-US" dirty="0"/>
+              <a:t>CS483 – Digital Forensics</a:t>
+            </a:r>
+          </a:p>
+        </p:txBody>
+      </p:sp>
+      <p:sp>
+        <p:nvSpPr>
+          <p:cNvPr id="5" name="Slide Number Placeholder 4">
+            <a:extLst>
+              <a:ext uri="{FF2B5EF4-FFF2-40B4-BE49-F238E27FC236}">
+                <a16:creationId xmlns:a16="http://schemas.microsoft.com/office/drawing/2014/main" id="{14865A00-0EBE-4B04-8C87-A1D9806A2C06}"/>
+              </a:ext>
+            </a:extLst>
+          </p:cNvPr>
+          <p:cNvSpPr>
+            <a:spLocks noGrp="1"/>
+          </p:cNvSpPr>
+          <p:nvPr>
+            <p:ph type="sldNum" sz="quarter" idx="12"/>
+          </p:nvPr>
+        </p:nvSpPr>
+        <p:spPr/>
+        <p:txBody>
+          <a:bodyPr/>
+          <a:lstStyle/>
+          <a:p>
+            <a:fld id="{C7F36220-D87F-47B8-89B0-52A4EDC587C4}" type="slidenum">
+              <a:rPr lang="en-US" smtClean="0"/>
+              <a:t>21</a:t>
+            </a:fld>
+            <a:endParaRPr lang="en-US"/>
+          </a:p>
+        </p:txBody>
+      </p:sp>
+    </p:spTree>
+    <p:extLst>
+      <p:ext uri="{BB962C8B-B14F-4D97-AF65-F5344CB8AC3E}">
+        <p14:creationId xmlns:p14="http://schemas.microsoft.com/office/powerpoint/2010/main" val="1096671914"/>
+      </p:ext>
+    </p:extLst>
+  </p:cSld>
+  <p:clrMapOvr>
+    <a:masterClrMapping/>
+  </p:clrMapOvr>
+</p:sld>
+</file>
+
 <file path=ppt/slides/slide22.xml><?xml version="1.0" encoding="utf-8"?>
 <p:sld xmlns:a="http://schemas.openxmlformats.org/drawingml/2006/main" xmlns:r="http://schemas.openxmlformats.org/officeDocument/2006/relationships" xmlns:p="http://schemas.openxmlformats.org/presentationml/2006/main">
   <p:cSld>
@@ -8231,7 +7437,7 @@
           <a:p>
             <a:r>
               <a:rPr lang="en-US" dirty="0"/>
-              <a:t>The Observer Effect</a:t>
+              <a:t>Summary</a:t>
             </a:r>
           </a:p>
         </p:txBody>
@@ -8261,38 +7467,25 @@
           <a:p>
             <a:r>
               <a:rPr lang="en-US" dirty="0"/>
-              <a:t>The act of observation influences (changes) the forensic evidence</a:t>
-            </a:r>
-          </a:p>
-          <a:p>
-            <a:r>
-              <a:rPr lang="en-US" dirty="0"/>
-              <a:t>Forensic tools installed on computers alter the system</a:t>
-            </a:r>
-          </a:p>
-          <a:p>
-            <a:r>
-              <a:rPr lang="en-US" dirty="0"/>
-              <a:t>Volatile memory</a:t>
-            </a:r>
-          </a:p>
-          <a:p>
-            <a:pPr marL="0" indent="0">
-              <a:buNone/>
-            </a:pPr>
-            <a:endParaRPr lang="en-US" dirty="0"/>
-          </a:p>
-          <a:p>
-            <a:r>
-              <a:rPr lang="en-US" dirty="0"/>
-              <a:t>Psychological:</a:t>
-            </a:r>
-          </a:p>
-          <a:p>
-            <a:pPr lvl="1"/>
-            <a:r>
-              <a:rPr lang="en-US" dirty="0"/>
-              <a:t>Examiner’s bias and subconscious expectations can influence the outcome of a forensic examination</a:t>
+              <a:t>Digital Forensics</a:t>
+            </a:r>
+          </a:p>
+          <a:p>
+            <a:r>
+              <a:rPr lang="en-US" dirty="0"/>
+              <a:t>Daubert Standard</a:t>
+            </a:r>
+          </a:p>
+          <a:p>
+            <a:r>
+              <a:rPr lang="en-US" dirty="0"/>
+              <a:t>Locard Exchange Principle</a:t>
+            </a:r>
+          </a:p>
+          <a:p>
+            <a:r>
+              <a:rPr lang="en-US" dirty="0"/>
+              <a:t>The Observer Effect</a:t>
             </a:r>
           </a:p>
         </p:txBody>
@@ -8357,7 +7550,7 @@
     </p:spTree>
     <p:extLst>
       <p:ext uri="{BB962C8B-B14F-4D97-AF65-F5344CB8AC3E}">
-        <p14:creationId xmlns:p14="http://schemas.microsoft.com/office/powerpoint/2010/main" val="1096671914"/>
+        <p14:creationId xmlns:p14="http://schemas.microsoft.com/office/powerpoint/2010/main" val="3067744350"/>
       </p:ext>
     </p:extLst>
   </p:cSld>
@@ -8389,169 +7582,6 @@
           <p:cNvPr id="2" name="Title 1">
             <a:extLst>
               <a:ext uri="{FF2B5EF4-FFF2-40B4-BE49-F238E27FC236}">
-                <a16:creationId xmlns:a16="http://schemas.microsoft.com/office/drawing/2014/main" id="{9D37C9BD-EA33-453F-80CF-FCE9E7531F9C}"/>
-              </a:ext>
-            </a:extLst>
-          </p:cNvPr>
-          <p:cNvSpPr>
-            <a:spLocks noGrp="1"/>
-          </p:cNvSpPr>
-          <p:nvPr>
-            <p:ph type="title"/>
-          </p:nvPr>
-        </p:nvSpPr>
-        <p:spPr/>
-        <p:txBody>
-          <a:bodyPr/>
-          <a:lstStyle/>
-          <a:p>
-            <a:r>
-              <a:rPr lang="en-US" dirty="0"/>
-              <a:t>Summary</a:t>
-            </a:r>
-          </a:p>
-        </p:txBody>
-      </p:sp>
-      <p:sp>
-        <p:nvSpPr>
-          <p:cNvPr id="3" name="Content Placeholder 2">
-            <a:extLst>
-              <a:ext uri="{FF2B5EF4-FFF2-40B4-BE49-F238E27FC236}">
-                <a16:creationId xmlns:a16="http://schemas.microsoft.com/office/drawing/2014/main" id="{850E52DC-F5A4-4515-932F-3CC8F8D76B9D}"/>
-              </a:ext>
-            </a:extLst>
-          </p:cNvPr>
-          <p:cNvSpPr>
-            <a:spLocks noGrp="1"/>
-          </p:cNvSpPr>
-          <p:nvPr>
-            <p:ph idx="1"/>
-          </p:nvPr>
-        </p:nvSpPr>
-        <p:spPr/>
-        <p:txBody>
-          <a:bodyPr>
-            <a:normAutofit/>
-          </a:bodyPr>
-          <a:lstStyle/>
-          <a:p>
-            <a:r>
-              <a:rPr lang="en-US" dirty="0"/>
-              <a:t>Digital Forensics</a:t>
-            </a:r>
-          </a:p>
-          <a:p>
-            <a:r>
-              <a:rPr lang="en-US" dirty="0"/>
-              <a:t>Daubert Standard</a:t>
-            </a:r>
-          </a:p>
-          <a:p>
-            <a:r>
-              <a:rPr lang="en-US" dirty="0"/>
-              <a:t>Locard Exchange Principle</a:t>
-            </a:r>
-          </a:p>
-          <a:p>
-            <a:r>
-              <a:rPr lang="en-US" dirty="0"/>
-              <a:t>The Observer Effect</a:t>
-            </a:r>
-          </a:p>
-        </p:txBody>
-      </p:sp>
-      <p:sp>
-        <p:nvSpPr>
-          <p:cNvPr id="4" name="Footer Placeholder 3">
-            <a:extLst>
-              <a:ext uri="{FF2B5EF4-FFF2-40B4-BE49-F238E27FC236}">
-                <a16:creationId xmlns:a16="http://schemas.microsoft.com/office/drawing/2014/main" id="{4DE80DCC-A601-4853-B98C-0D21AB3BC4F2}"/>
-              </a:ext>
-            </a:extLst>
-          </p:cNvPr>
-          <p:cNvSpPr>
-            <a:spLocks noGrp="1"/>
-          </p:cNvSpPr>
-          <p:nvPr>
-            <p:ph type="ftr" sz="quarter" idx="11"/>
-          </p:nvPr>
-        </p:nvSpPr>
-        <p:spPr/>
-        <p:txBody>
-          <a:bodyPr/>
-          <a:lstStyle/>
-          <a:p>
-            <a:r>
-              <a:rPr lang="en-US" dirty="0"/>
-              <a:t>CS483 – Digital Forensics</a:t>
-            </a:r>
-          </a:p>
-        </p:txBody>
-      </p:sp>
-      <p:sp>
-        <p:nvSpPr>
-          <p:cNvPr id="5" name="Slide Number Placeholder 4">
-            <a:extLst>
-              <a:ext uri="{FF2B5EF4-FFF2-40B4-BE49-F238E27FC236}">
-                <a16:creationId xmlns:a16="http://schemas.microsoft.com/office/drawing/2014/main" id="{14865A00-0EBE-4B04-8C87-A1D9806A2C06}"/>
-              </a:ext>
-            </a:extLst>
-          </p:cNvPr>
-          <p:cNvSpPr>
-            <a:spLocks noGrp="1"/>
-          </p:cNvSpPr>
-          <p:nvPr>
-            <p:ph type="sldNum" sz="quarter" idx="12"/>
-          </p:nvPr>
-        </p:nvSpPr>
-        <p:spPr/>
-        <p:txBody>
-          <a:bodyPr/>
-          <a:lstStyle/>
-          <a:p>
-            <a:fld id="{C7F36220-D87F-47B8-89B0-52A4EDC587C4}" type="slidenum">
-              <a:rPr lang="en-US" smtClean="0"/>
-              <a:t>23</a:t>
-            </a:fld>
-            <a:endParaRPr lang="en-US"/>
-          </a:p>
-        </p:txBody>
-      </p:sp>
-    </p:spTree>
-    <p:extLst>
-      <p:ext uri="{BB962C8B-B14F-4D97-AF65-F5344CB8AC3E}">
-        <p14:creationId xmlns:p14="http://schemas.microsoft.com/office/powerpoint/2010/main" val="3067744350"/>
-      </p:ext>
-    </p:extLst>
-  </p:cSld>
-  <p:clrMapOvr>
-    <a:masterClrMapping/>
-  </p:clrMapOvr>
-</p:sld>
-</file>
-
-<file path=ppt/slides/slide24.xml><?xml version="1.0" encoding="utf-8"?>
-<p:sld xmlns:a="http://schemas.openxmlformats.org/drawingml/2006/main" xmlns:r="http://schemas.openxmlformats.org/officeDocument/2006/relationships" xmlns:p="http://schemas.openxmlformats.org/presentationml/2006/main">
-  <p:cSld>
-    <p:spTree>
-      <p:nvGrpSpPr>
-        <p:cNvPr id="1" name=""/>
-        <p:cNvGrpSpPr/>
-        <p:nvPr/>
-      </p:nvGrpSpPr>
-      <p:grpSpPr>
-        <a:xfrm>
-          <a:off x="0" y="0"/>
-          <a:ext cx="0" cy="0"/>
-          <a:chOff x="0" y="0"/>
-          <a:chExt cx="0" cy="0"/>
-        </a:xfrm>
-      </p:grpSpPr>
-      <p:sp>
-        <p:nvSpPr>
-          <p:cNvPr id="2" name="Title 1">
-            <a:extLst>
-              <a:ext uri="{FF2B5EF4-FFF2-40B4-BE49-F238E27FC236}">
                 <a16:creationId xmlns:a16="http://schemas.microsoft.com/office/drawing/2014/main" id="{800B7001-C2E6-47ED-9281-3731343123B7}"/>
               </a:ext>
             </a:extLst>
@@ -8610,22 +7640,14 @@
           <a:p>
             <a:r>
               <a:rPr lang="en-US" dirty="0"/>
-              <a:t>Read Brian </a:t>
-            </a:r>
-            <a:r>
-              <a:rPr lang="en-US" dirty="0" err="1"/>
-              <a:t>Carriar’s</a:t>
-            </a:r>
-            <a:r>
-              <a:rPr lang="en-US" dirty="0"/>
-              <a:t> Paper</a:t>
+              <a:t>Read Brian Carrier’s Paper</a:t>
             </a:r>
           </a:p>
           <a:p>
             <a:pPr lvl="1"/>
             <a:r>
               <a:rPr lang="en-US" dirty="0"/>
-              <a:t>Link Provided in Canvas</a:t>
+              <a:t>Link Provided in Canvas and GitHub</a:t>
             </a:r>
           </a:p>
         </p:txBody>
@@ -8653,7 +7675,7 @@
           <a:p>
             <a:fld id="{C7F36220-D87F-47B8-89B0-52A4EDC587C4}" type="slidenum">
               <a:rPr lang="en-US" smtClean="0"/>
-              <a:t>24</a:t>
+              <a:t>23</a:t>
             </a:fld>
             <a:endParaRPr lang="en-US"/>
           </a:p>
@@ -9849,6 +8871,33 @@
           <a:p>
             <a:r>
               <a:rPr lang="en-US" dirty="0"/>
+              <a:t>https://</a:t>
+            </a:r>
+            <a:r>
+              <a:rPr lang="en-US" dirty="0" err="1"/>
+              <a:t>github.com</a:t>
+            </a:r>
+            <a:r>
+              <a:rPr lang="en-US" dirty="0"/>
+              <a:t>/</a:t>
+            </a:r>
+            <a:r>
+              <a:rPr lang="en-US" dirty="0" err="1"/>
+              <a:t>usma-eecs</a:t>
+            </a:r>
+            <a:r>
+              <a:rPr lang="en-US" dirty="0"/>
+              <a:t>/</a:t>
+            </a:r>
+            <a:r>
+              <a:rPr lang="en-US" dirty="0" err="1"/>
+              <a:t>cs483</a:t>
+            </a:r>
+            <a:endParaRPr lang="en-US" dirty="0"/>
+          </a:p>
+          <a:p>
+            <a:r>
+              <a:rPr lang="en-US" dirty="0"/>
               <a:t>Teams</a:t>
             </a:r>
           </a:p>
@@ -9967,7 +9016,7 @@
         </p:blipFill>
         <p:spPr bwMode="auto">
           <a:xfrm>
-            <a:off x="7228236" y="4645572"/>
+            <a:off x="7467933" y="4796493"/>
             <a:ext cx="3278312" cy="1847303"/>
           </a:xfrm>
           <a:prstGeom prst="rect">
@@ -10038,8 +9087,45 @@
           <a:p>
             <a:r>
               <a:rPr lang="en-US" dirty="0"/>
-              <a:t>Graded Events</a:t>
-            </a:r>
+              <a:t>Academic Standards</a:t>
+            </a:r>
+          </a:p>
+        </p:txBody>
+      </p:sp>
+      <p:sp>
+        <p:nvSpPr>
+          <p:cNvPr id="3" name="Content Placeholder 2">
+            <a:extLst>
+              <a:ext uri="{FF2B5EF4-FFF2-40B4-BE49-F238E27FC236}">
+                <a16:creationId xmlns:a16="http://schemas.microsoft.com/office/drawing/2014/main" id="{C80CAC15-8292-4242-A18C-6AFE31971D2A}"/>
+              </a:ext>
+            </a:extLst>
+          </p:cNvPr>
+          <p:cNvSpPr>
+            <a:spLocks noGrp="1"/>
+          </p:cNvSpPr>
+          <p:nvPr>
+            <p:ph idx="1"/>
+          </p:nvPr>
+        </p:nvSpPr>
+        <p:spPr/>
+        <p:txBody>
+          <a:bodyPr/>
+          <a:lstStyle/>
+          <a:p>
+            <a:r>
+              <a:rPr lang="en-US" dirty="0"/>
+              <a:t>EECS Policy Memo #10</a:t>
+            </a:r>
+          </a:p>
+          <a:p>
+            <a:r>
+              <a:rPr lang="en-US" dirty="0"/>
+              <a:t>DPOM 02-10</a:t>
+            </a:r>
+          </a:p>
+          <a:p>
+            <a:endParaRPr lang="en-US" dirty="0"/>
           </a:p>
         </p:txBody>
       </p:sp>
@@ -10048,7 +9134,7 @@
           <p:cNvPr id="5" name="Slide Number Placeholder 4">
             <a:extLst>
               <a:ext uri="{FF2B5EF4-FFF2-40B4-BE49-F238E27FC236}">
-                <a16:creationId xmlns:a16="http://schemas.microsoft.com/office/drawing/2014/main" id="{28987CCE-2F5C-49A7-9735-B33ABAA8444D}"/>
+                <a16:creationId xmlns:a16="http://schemas.microsoft.com/office/drawing/2014/main" id="{0087F419-E8B7-4362-9CA2-5210012C440E}"/>
               </a:ext>
             </a:extLst>
           </p:cNvPr>
@@ -10077,7 +9163,7 @@
           <p:cNvPr id="6" name="Footer Placeholder 3">
             <a:extLst>
               <a:ext uri="{FF2B5EF4-FFF2-40B4-BE49-F238E27FC236}">
-                <a16:creationId xmlns:a16="http://schemas.microsoft.com/office/drawing/2014/main" id="{E763FD3F-E5A7-4C6A-B144-43837FA4884E}"/>
+                <a16:creationId xmlns:a16="http://schemas.microsoft.com/office/drawing/2014/main" id="{85FCFB4D-F39C-4758-9208-66050981D958}"/>
               </a:ext>
             </a:extLst>
           </p:cNvPr>
@@ -10105,39 +9191,10 @@
           </a:p>
         </p:txBody>
       </p:sp>
-      <p:pic>
-        <p:nvPicPr>
-          <p:cNvPr id="9" name="Content Placeholder 8">
-            <a:extLst>
-              <a:ext uri="{FF2B5EF4-FFF2-40B4-BE49-F238E27FC236}">
-                <a16:creationId xmlns:a16="http://schemas.microsoft.com/office/drawing/2014/main" id="{15391A8E-6F11-C6E8-5955-2118FF4EB7B9}"/>
-              </a:ext>
-            </a:extLst>
-          </p:cNvPr>
-          <p:cNvPicPr>
-            <a:picLocks noGrp="1" noChangeAspect="1"/>
-          </p:cNvPicPr>
-          <p:nvPr>
-            <p:ph idx="1"/>
-          </p:nvPr>
-        </p:nvPicPr>
-        <p:blipFill>
-          <a:blip r:embed="rId2"/>
-          <a:stretch>
-            <a:fillRect/>
-          </a:stretch>
-        </p:blipFill>
-        <p:spPr>
-          <a:xfrm>
-            <a:off x="2228963" y="2330824"/>
-            <a:ext cx="7734073" cy="3029370"/>
-          </a:xfrm>
-        </p:spPr>
-      </p:pic>
     </p:spTree>
     <p:extLst>
       <p:ext uri="{BB962C8B-B14F-4D97-AF65-F5344CB8AC3E}">
-        <p14:creationId xmlns:p14="http://schemas.microsoft.com/office/powerpoint/2010/main" val="1163374719"/>
+        <p14:creationId xmlns:p14="http://schemas.microsoft.com/office/powerpoint/2010/main" val="1480485774"/>
       </p:ext>
     </p:extLst>
   </p:cSld>
@@ -10169,7 +9226,7 @@
           <p:cNvPr id="2" name="Title 1">
             <a:extLst>
               <a:ext uri="{FF2B5EF4-FFF2-40B4-BE49-F238E27FC236}">
-                <a16:creationId xmlns:a16="http://schemas.microsoft.com/office/drawing/2014/main" id="{844DB0CF-6A66-4914-B151-940A35CCB529}"/>
+                <a16:creationId xmlns:a16="http://schemas.microsoft.com/office/drawing/2014/main" id="{06F64196-5CF3-4005-ADA7-39FB674F616A}"/>
               </a:ext>
             </a:extLst>
           </p:cNvPr>
@@ -10187,7 +9244,7 @@
           <a:p>
             <a:r>
               <a:rPr lang="en-US" dirty="0"/>
-              <a:t>Academic Standards</a:t>
+              <a:t>Instructor</a:t>
             </a:r>
           </a:p>
         </p:txBody>
@@ -10197,7 +9254,7 @@
           <p:cNvPr id="3" name="Content Placeholder 2">
             <a:extLst>
               <a:ext uri="{FF2B5EF4-FFF2-40B4-BE49-F238E27FC236}">
-                <a16:creationId xmlns:a16="http://schemas.microsoft.com/office/drawing/2014/main" id="{C80CAC15-8292-4242-A18C-6AFE31971D2A}"/>
+                <a16:creationId xmlns:a16="http://schemas.microsoft.com/office/drawing/2014/main" id="{41DE5BC5-8545-4403-8857-7ECC60C35DC5}"/>
               </a:ext>
             </a:extLst>
           </p:cNvPr>
@@ -10208,25 +9265,75 @@
             <p:ph idx="1"/>
           </p:nvPr>
         </p:nvSpPr>
-        <p:spPr/>
-        <p:txBody>
-          <a:bodyPr/>
-          <a:lstStyle/>
-          <a:p>
-            <a:r>
-              <a:rPr lang="en-US" dirty="0"/>
-              <a:t>EECS Policy Memo #10</a:t>
-            </a:r>
-          </a:p>
-          <a:p>
-            <a:r>
-              <a:rPr lang="en-US" dirty="0"/>
-              <a:t>DPOM 02-10</a:t>
+        <p:spPr>
+          <a:xfrm>
+            <a:off x="838199" y="1690688"/>
+            <a:ext cx="11172753" cy="4665661"/>
+          </a:xfrm>
+        </p:spPr>
+        <p:txBody>
+          <a:bodyPr>
+            <a:normAutofit/>
+          </a:bodyPr>
+          <a:lstStyle/>
+          <a:p>
+            <a:r>
+              <a:rPr lang="en-US" dirty="0"/>
+              <a:t>MAJ Adam Duby</a:t>
+            </a:r>
+          </a:p>
+          <a:p>
+            <a:pPr lvl="1"/>
+            <a:r>
+              <a:rPr lang="en-US" dirty="0"/>
+              <a:t>Office: TH1111</a:t>
+            </a:r>
+          </a:p>
+          <a:p>
+            <a:pPr lvl="1"/>
+            <a:r>
+              <a:rPr lang="en-US" dirty="0"/>
+              <a:t>Lab: TH212 (Cyber Lab)</a:t>
+            </a:r>
+          </a:p>
+          <a:p>
+            <a:pPr lvl="1"/>
+            <a:r>
+              <a:rPr lang="en-US" dirty="0"/>
+              <a:t>Cell: 706-339-4292</a:t>
+            </a:r>
+          </a:p>
+          <a:p>
+            <a:pPr lvl="1"/>
+            <a:r>
+              <a:rPr lang="en-US" dirty="0"/>
+              <a:t>adam.duby@westpoint.edu</a:t>
             </a:r>
           </a:p>
           <a:p>
             <a:endParaRPr lang="en-US" dirty="0"/>
           </a:p>
+          <a:p>
+            <a:endParaRPr lang="en-US" dirty="0"/>
+          </a:p>
+          <a:p>
+            <a:endParaRPr lang="en-US" dirty="0"/>
+          </a:p>
+          <a:p>
+            <a:pPr marL="0" indent="0">
+              <a:buNone/>
+            </a:pPr>
+            <a:endParaRPr lang="en-US" dirty="0"/>
+          </a:p>
+          <a:p>
+            <a:endParaRPr lang="en-US" dirty="0"/>
+          </a:p>
+          <a:p>
+            <a:pPr marL="0" indent="0">
+              <a:buNone/>
+            </a:pPr>
+            <a:endParaRPr lang="en-US" dirty="0"/>
+          </a:p>
         </p:txBody>
       </p:sp>
       <p:sp>
@@ -10234,7 +9341,7 @@
           <p:cNvPr id="5" name="Slide Number Placeholder 4">
             <a:extLst>
               <a:ext uri="{FF2B5EF4-FFF2-40B4-BE49-F238E27FC236}">
-                <a16:creationId xmlns:a16="http://schemas.microsoft.com/office/drawing/2014/main" id="{0087F419-E8B7-4362-9CA2-5210012C440E}"/>
+                <a16:creationId xmlns:a16="http://schemas.microsoft.com/office/drawing/2014/main" id="{CE782FB2-E7E5-4772-AB21-6F78830BD26F}"/>
               </a:ext>
             </a:extLst>
           </p:cNvPr>
@@ -10263,7 +9370,7 @@
           <p:cNvPr id="6" name="Footer Placeholder 3">
             <a:extLst>
               <a:ext uri="{FF2B5EF4-FFF2-40B4-BE49-F238E27FC236}">
-                <a16:creationId xmlns:a16="http://schemas.microsoft.com/office/drawing/2014/main" id="{85FCFB4D-F39C-4758-9208-66050981D958}"/>
+                <a16:creationId xmlns:a16="http://schemas.microsoft.com/office/drawing/2014/main" id="{041D281C-11EB-49BE-A1BD-427FC257A141}"/>
               </a:ext>
             </a:extLst>
           </p:cNvPr>
@@ -10291,10 +9398,772 @@
           </a:p>
         </p:txBody>
       </p:sp>
+      <p:pic>
+        <p:nvPicPr>
+          <p:cNvPr id="1026" name="Picture 2" descr="Image result for 10th AAMDC">
+            <a:extLst>
+              <a:ext uri="{FF2B5EF4-FFF2-40B4-BE49-F238E27FC236}">
+                <a16:creationId xmlns:a16="http://schemas.microsoft.com/office/drawing/2014/main" id="{4D6CD4B7-2D72-F745-9298-ED41DA538690}"/>
+              </a:ext>
+            </a:extLst>
+          </p:cNvPr>
+          <p:cNvPicPr>
+            <a:picLocks noChangeAspect="1" noChangeArrowheads="1"/>
+          </p:cNvPicPr>
+          <p:nvPr/>
+        </p:nvPicPr>
+        <p:blipFill>
+          <a:blip r:embed="rId2">
+            <a:extLst>
+              <a:ext uri="{28A0092B-C50C-407E-A947-70E740481C1C}">
+                <a14:useLocalDpi xmlns:a14="http://schemas.microsoft.com/office/drawing/2010/main" val="0"/>
+              </a:ext>
+            </a:extLst>
+          </a:blip>
+          <a:srcRect/>
+          <a:stretch>
+            <a:fillRect/>
+          </a:stretch>
+        </p:blipFill>
+        <p:spPr bwMode="auto">
+          <a:xfrm>
+            <a:off x="689297" y="4032534"/>
+            <a:ext cx="745242" cy="1117863"/>
+          </a:xfrm>
+          <a:prstGeom prst="rect">
+            <a:avLst/>
+          </a:prstGeom>
+          <a:noFill/>
+          <a:extLst>
+            <a:ext uri="{909E8E84-426E-40DD-AFC4-6F175D3DCCD1}">
+              <a14:hiddenFill xmlns:a14="http://schemas.microsoft.com/office/drawing/2010/main">
+                <a:solidFill>
+                  <a:srgbClr val="FFFFFF"/>
+                </a:solidFill>
+              </a14:hiddenFill>
+            </a:ext>
+          </a:extLst>
+        </p:spPr>
+      </p:pic>
+      <p:pic>
+        <p:nvPicPr>
+          <p:cNvPr id="1028" name="Picture 4">
+            <a:extLst>
+              <a:ext uri="{FF2B5EF4-FFF2-40B4-BE49-F238E27FC236}">
+                <a16:creationId xmlns:a16="http://schemas.microsoft.com/office/drawing/2014/main" id="{FF3C7146-30F7-0232-7070-DD3870E1DAB1}"/>
+              </a:ext>
+            </a:extLst>
+          </p:cNvPr>
+          <p:cNvPicPr>
+            <a:picLocks noChangeAspect="1" noChangeArrowheads="1"/>
+          </p:cNvPicPr>
+          <p:nvPr/>
+        </p:nvPicPr>
+        <p:blipFill>
+          <a:blip r:embed="rId3">
+            <a:extLst>
+              <a:ext uri="{28A0092B-C50C-407E-A947-70E740481C1C}">
+                <a14:useLocalDpi xmlns:a14="http://schemas.microsoft.com/office/drawing/2010/main" val="0"/>
+              </a:ext>
+            </a:extLst>
+          </a:blip>
+          <a:srcRect/>
+          <a:stretch>
+            <a:fillRect/>
+          </a:stretch>
+        </p:blipFill>
+        <p:spPr bwMode="auto">
+          <a:xfrm>
+            <a:off x="4485623" y="4052861"/>
+            <a:ext cx="1133475" cy="1133475"/>
+          </a:xfrm>
+          <a:prstGeom prst="rect">
+            <a:avLst/>
+          </a:prstGeom>
+          <a:noFill/>
+          <a:extLst>
+            <a:ext uri="{909E8E84-426E-40DD-AFC4-6F175D3DCCD1}">
+              <a14:hiddenFill xmlns:a14="http://schemas.microsoft.com/office/drawing/2010/main">
+                <a:solidFill>
+                  <a:srgbClr val="FFFFFF"/>
+                </a:solidFill>
+              </a14:hiddenFill>
+            </a:ext>
+          </a:extLst>
+        </p:spPr>
+      </p:pic>
+      <p:pic>
+        <p:nvPicPr>
+          <p:cNvPr id="1030" name="Picture 6" descr="U.S. Army Cyber Protection Brigade Decal - Military Graphics">
+            <a:extLst>
+              <a:ext uri="{FF2B5EF4-FFF2-40B4-BE49-F238E27FC236}">
+                <a16:creationId xmlns:a16="http://schemas.microsoft.com/office/drawing/2014/main" id="{91E39105-C669-865A-2AAD-4C51AC968191}"/>
+              </a:ext>
+            </a:extLst>
+          </p:cNvPr>
+          <p:cNvPicPr>
+            <a:picLocks noChangeAspect="1" noChangeArrowheads="1"/>
+          </p:cNvPicPr>
+          <p:nvPr/>
+        </p:nvPicPr>
+        <p:blipFill>
+          <a:blip r:embed="rId4">
+            <a:extLst>
+              <a:ext uri="{28A0092B-C50C-407E-A947-70E740481C1C}">
+                <a14:useLocalDpi xmlns:a14="http://schemas.microsoft.com/office/drawing/2010/main" val="0"/>
+              </a:ext>
+            </a:extLst>
+          </a:blip>
+          <a:srcRect/>
+          <a:stretch>
+            <a:fillRect/>
+          </a:stretch>
+        </p:blipFill>
+        <p:spPr bwMode="auto">
+          <a:xfrm>
+            <a:off x="2424816" y="4032535"/>
+            <a:ext cx="1003635" cy="1142232"/>
+          </a:xfrm>
+          <a:prstGeom prst="rect">
+            <a:avLst/>
+          </a:prstGeom>
+          <a:noFill/>
+          <a:extLst>
+            <a:ext uri="{909E8E84-426E-40DD-AFC4-6F175D3DCCD1}">
+              <a14:hiddenFill xmlns:a14="http://schemas.microsoft.com/office/drawing/2010/main">
+                <a:solidFill>
+                  <a:srgbClr val="FFFFFF"/>
+                </a:solidFill>
+              </a14:hiddenFill>
+            </a:ext>
+          </a:extLst>
+        </p:spPr>
+      </p:pic>
+      <p:pic>
+        <p:nvPicPr>
+          <p:cNvPr id="4" name="Picture 6" descr="U.S. Army Cyber Protection Brigade Decal - Military Graphics">
+            <a:extLst>
+              <a:ext uri="{FF2B5EF4-FFF2-40B4-BE49-F238E27FC236}">
+                <a16:creationId xmlns:a16="http://schemas.microsoft.com/office/drawing/2014/main" id="{CDCDF8E3-FB4A-10CE-72A5-D7A86F58F5DD}"/>
+              </a:ext>
+            </a:extLst>
+          </p:cNvPr>
+          <p:cNvPicPr>
+            <a:picLocks noChangeAspect="1" noChangeArrowheads="1"/>
+          </p:cNvPicPr>
+          <p:nvPr/>
+        </p:nvPicPr>
+        <p:blipFill>
+          <a:blip r:embed="rId4">
+            <a:extLst>
+              <a:ext uri="{28A0092B-C50C-407E-A947-70E740481C1C}">
+                <a14:useLocalDpi xmlns:a14="http://schemas.microsoft.com/office/drawing/2010/main" val="0"/>
+              </a:ext>
+            </a:extLst>
+          </a:blip>
+          <a:srcRect/>
+          <a:stretch>
+            <a:fillRect/>
+          </a:stretch>
+        </p:blipFill>
+        <p:spPr bwMode="auto">
+          <a:xfrm>
+            <a:off x="6562189" y="4025080"/>
+            <a:ext cx="1003635" cy="1142232"/>
+          </a:xfrm>
+          <a:prstGeom prst="rect">
+            <a:avLst/>
+          </a:prstGeom>
+          <a:noFill/>
+          <a:extLst>
+            <a:ext uri="{909E8E84-426E-40DD-AFC4-6F175D3DCCD1}">
+              <a14:hiddenFill xmlns:a14="http://schemas.microsoft.com/office/drawing/2010/main">
+                <a:solidFill>
+                  <a:srgbClr val="FFFFFF"/>
+                </a:solidFill>
+              </a14:hiddenFill>
+            </a:ext>
+          </a:extLst>
+        </p:spPr>
+      </p:pic>
+      <p:pic>
+        <p:nvPicPr>
+          <p:cNvPr id="1032" name="Picture 8" descr="Tweets with replies by University of Colorado (@CUSystem) / Twitter">
+            <a:extLst>
+              <a:ext uri="{FF2B5EF4-FFF2-40B4-BE49-F238E27FC236}">
+                <a16:creationId xmlns:a16="http://schemas.microsoft.com/office/drawing/2014/main" id="{2384C000-0DE8-C151-B4F0-BE8F7A9AE0B5}"/>
+              </a:ext>
+            </a:extLst>
+          </p:cNvPr>
+          <p:cNvPicPr>
+            <a:picLocks noChangeAspect="1" noChangeArrowheads="1"/>
+          </p:cNvPicPr>
+          <p:nvPr/>
+        </p:nvPicPr>
+        <p:blipFill>
+          <a:blip r:embed="rId5">
+            <a:extLst>
+              <a:ext uri="{28A0092B-C50C-407E-A947-70E740481C1C}">
+                <a14:useLocalDpi xmlns:a14="http://schemas.microsoft.com/office/drawing/2010/main" val="0"/>
+              </a:ext>
+            </a:extLst>
+          </a:blip>
+          <a:srcRect/>
+          <a:stretch>
+            <a:fillRect/>
+          </a:stretch>
+        </p:blipFill>
+        <p:spPr bwMode="auto">
+          <a:xfrm>
+            <a:off x="8368112" y="3922035"/>
+            <a:ext cx="1398707" cy="1398707"/>
+          </a:xfrm>
+          <a:prstGeom prst="rect">
+            <a:avLst/>
+          </a:prstGeom>
+          <a:noFill/>
+          <a:extLst>
+            <a:ext uri="{909E8E84-426E-40DD-AFC4-6F175D3DCCD1}">
+              <a14:hiddenFill xmlns:a14="http://schemas.microsoft.com/office/drawing/2010/main">
+                <a:solidFill>
+                  <a:srgbClr val="FFFFFF"/>
+                </a:solidFill>
+              </a14:hiddenFill>
+            </a:ext>
+          </a:extLst>
+        </p:spPr>
+      </p:pic>
+      <p:pic>
+        <p:nvPicPr>
+          <p:cNvPr id="1034" name="Picture 10">
+            <a:extLst>
+              <a:ext uri="{FF2B5EF4-FFF2-40B4-BE49-F238E27FC236}">
+                <a16:creationId xmlns:a16="http://schemas.microsoft.com/office/drawing/2014/main" id="{20499C40-4D44-94A7-4178-6ED0C5374CC3}"/>
+              </a:ext>
+            </a:extLst>
+          </p:cNvPr>
+          <p:cNvPicPr>
+            <a:picLocks noChangeAspect="1" noChangeArrowheads="1"/>
+          </p:cNvPicPr>
+          <p:nvPr/>
+        </p:nvPicPr>
+        <p:blipFill>
+          <a:blip r:embed="rId6">
+            <a:extLst>
+              <a:ext uri="{28A0092B-C50C-407E-A947-70E740481C1C}">
+                <a14:useLocalDpi xmlns:a14="http://schemas.microsoft.com/office/drawing/2010/main" val="0"/>
+              </a:ext>
+            </a:extLst>
+          </a:blip>
+          <a:srcRect/>
+          <a:stretch>
+            <a:fillRect/>
+          </a:stretch>
+        </p:blipFill>
+        <p:spPr bwMode="auto">
+          <a:xfrm>
+            <a:off x="10638428" y="4032534"/>
+            <a:ext cx="1037970" cy="1207638"/>
+          </a:xfrm>
+          <a:prstGeom prst="rect">
+            <a:avLst/>
+          </a:prstGeom>
+          <a:noFill/>
+          <a:extLst>
+            <a:ext uri="{909E8E84-426E-40DD-AFC4-6F175D3DCCD1}">
+              <a14:hiddenFill xmlns:a14="http://schemas.microsoft.com/office/drawing/2010/main">
+                <a:solidFill>
+                  <a:srgbClr val="FFFFFF"/>
+                </a:solidFill>
+              </a14:hiddenFill>
+            </a:ext>
+          </a:extLst>
+        </p:spPr>
+      </p:pic>
+      <p:sp>
+        <p:nvSpPr>
+          <p:cNvPr id="7" name="TextBox 6">
+            <a:extLst>
+              <a:ext uri="{FF2B5EF4-FFF2-40B4-BE49-F238E27FC236}">
+                <a16:creationId xmlns:a16="http://schemas.microsoft.com/office/drawing/2014/main" id="{DFC4E2ED-4BB1-03FA-1498-AB828435ABF6}"/>
+              </a:ext>
+            </a:extLst>
+          </p:cNvPr>
+          <p:cNvSpPr txBox="1"/>
+          <p:nvPr/>
+        </p:nvSpPr>
+        <p:spPr>
+          <a:xfrm>
+            <a:off x="450026" y="5240172"/>
+            <a:ext cx="1223783" cy="492443"/>
+          </a:xfrm>
+          <a:prstGeom prst="rect">
+            <a:avLst/>
+          </a:prstGeom>
+          <a:noFill/>
+        </p:spPr>
+        <p:txBody>
+          <a:bodyPr wrap="square" rtlCol="0">
+            <a:spAutoFit/>
+          </a:bodyPr>
+          <a:lstStyle/>
+          <a:p>
+            <a:pPr algn="ctr"/>
+            <a:r>
+              <a:rPr lang="en-US" sz="1300" b="1" dirty="0"/>
+              <a:t>10</a:t>
+            </a:r>
+            <a:r>
+              <a:rPr lang="en-US" sz="1300" b="1" baseline="30000" dirty="0"/>
+              <a:t>th</a:t>
+            </a:r>
+            <a:r>
+              <a:rPr lang="en-US" sz="1300" b="1" dirty="0"/>
+              <a:t> AAMDC</a:t>
+            </a:r>
+          </a:p>
+          <a:p>
+            <a:pPr algn="ctr"/>
+            <a:r>
+              <a:rPr lang="en-US" sz="1300" dirty="0"/>
+              <a:t>Patriot</a:t>
+            </a:r>
+          </a:p>
+        </p:txBody>
+      </p:sp>
+      <p:sp>
+        <p:nvSpPr>
+          <p:cNvPr id="8" name="TextBox 7">
+            <a:extLst>
+              <a:ext uri="{FF2B5EF4-FFF2-40B4-BE49-F238E27FC236}">
+                <a16:creationId xmlns:a16="http://schemas.microsoft.com/office/drawing/2014/main" id="{12A300C8-5258-B9C2-99A9-C8602275E7C2}"/>
+              </a:ext>
+            </a:extLst>
+          </p:cNvPr>
+          <p:cNvSpPr txBox="1"/>
+          <p:nvPr/>
+        </p:nvSpPr>
+        <p:spPr>
+          <a:xfrm>
+            <a:off x="1909140" y="5240172"/>
+            <a:ext cx="2034985" cy="492443"/>
+          </a:xfrm>
+          <a:prstGeom prst="rect">
+            <a:avLst/>
+          </a:prstGeom>
+          <a:noFill/>
+        </p:spPr>
+        <p:txBody>
+          <a:bodyPr wrap="square" rtlCol="0">
+            <a:spAutoFit/>
+          </a:bodyPr>
+          <a:lstStyle/>
+          <a:p>
+            <a:pPr algn="ctr"/>
+            <a:r>
+              <a:rPr lang="en-US" sz="1300" b="1" dirty="0"/>
+              <a:t>Cyber Protection Brigade </a:t>
+            </a:r>
+            <a:r>
+              <a:rPr lang="en-US" sz="1300" dirty="0"/>
+              <a:t>Cyber Protection Team</a:t>
+            </a:r>
+          </a:p>
+        </p:txBody>
+      </p:sp>
+      <p:sp>
+        <p:nvSpPr>
+          <p:cNvPr id="9" name="TextBox 8">
+            <a:extLst>
+              <a:ext uri="{FF2B5EF4-FFF2-40B4-BE49-F238E27FC236}">
+                <a16:creationId xmlns:a16="http://schemas.microsoft.com/office/drawing/2014/main" id="{B00CA35D-777E-5D51-67DD-6C2802E7F36D}"/>
+              </a:ext>
+            </a:extLst>
+          </p:cNvPr>
+          <p:cNvSpPr txBox="1"/>
+          <p:nvPr/>
+        </p:nvSpPr>
+        <p:spPr>
+          <a:xfrm>
+            <a:off x="10314158" y="5246598"/>
+            <a:ext cx="1772546" cy="492443"/>
+          </a:xfrm>
+          <a:prstGeom prst="rect">
+            <a:avLst/>
+          </a:prstGeom>
+          <a:noFill/>
+        </p:spPr>
+        <p:txBody>
+          <a:bodyPr wrap="square" rtlCol="0">
+            <a:spAutoFit/>
+          </a:bodyPr>
+          <a:lstStyle/>
+          <a:p>
+            <a:pPr algn="ctr"/>
+            <a:r>
+              <a:rPr lang="en-US" sz="1300" b="1" dirty="0"/>
+              <a:t>USMA, EECS</a:t>
+            </a:r>
+          </a:p>
+          <a:p>
+            <a:pPr algn="ctr"/>
+            <a:r>
+              <a:rPr lang="en-US" sz="1300" dirty="0"/>
+              <a:t>Assistant Professor</a:t>
+            </a:r>
+          </a:p>
+        </p:txBody>
+      </p:sp>
+      <p:sp>
+        <p:nvSpPr>
+          <p:cNvPr id="10" name="TextBox 9">
+            <a:extLst>
+              <a:ext uri="{FF2B5EF4-FFF2-40B4-BE49-F238E27FC236}">
+                <a16:creationId xmlns:a16="http://schemas.microsoft.com/office/drawing/2014/main" id="{33FBDFE7-78D0-5407-251D-B835273CFC7F}"/>
+              </a:ext>
+            </a:extLst>
+          </p:cNvPr>
+          <p:cNvSpPr txBox="1"/>
+          <p:nvPr/>
+        </p:nvSpPr>
+        <p:spPr>
+          <a:xfrm>
+            <a:off x="4003468" y="5245126"/>
+            <a:ext cx="2034985" cy="492443"/>
+          </a:xfrm>
+          <a:prstGeom prst="rect">
+            <a:avLst/>
+          </a:prstGeom>
+          <a:noFill/>
+        </p:spPr>
+        <p:txBody>
+          <a:bodyPr wrap="square" rtlCol="0">
+            <a:spAutoFit/>
+          </a:bodyPr>
+          <a:lstStyle/>
+          <a:p>
+            <a:pPr algn="ctr"/>
+            <a:r>
+              <a:rPr lang="en-US" sz="1300" b="1" dirty="0"/>
+              <a:t>NSA</a:t>
+            </a:r>
+          </a:p>
+          <a:p>
+            <a:pPr algn="ctr"/>
+            <a:r>
+              <a:rPr lang="en-US" sz="1300" dirty="0"/>
+              <a:t>Malware Analyst</a:t>
+            </a:r>
+          </a:p>
+        </p:txBody>
+      </p:sp>
+      <p:sp>
+        <p:nvSpPr>
+          <p:cNvPr id="11" name="TextBox 10">
+            <a:extLst>
+              <a:ext uri="{FF2B5EF4-FFF2-40B4-BE49-F238E27FC236}">
+                <a16:creationId xmlns:a16="http://schemas.microsoft.com/office/drawing/2014/main" id="{5D5B60D0-4B60-6BA1-4725-98D773B983FF}"/>
+              </a:ext>
+            </a:extLst>
+          </p:cNvPr>
+          <p:cNvSpPr txBox="1"/>
+          <p:nvPr/>
+        </p:nvSpPr>
+        <p:spPr>
+          <a:xfrm>
+            <a:off x="8099026" y="5246598"/>
+            <a:ext cx="2082468" cy="492443"/>
+          </a:xfrm>
+          <a:prstGeom prst="rect">
+            <a:avLst/>
+          </a:prstGeom>
+          <a:noFill/>
+        </p:spPr>
+        <p:txBody>
+          <a:bodyPr wrap="square" rtlCol="0">
+            <a:spAutoFit/>
+          </a:bodyPr>
+          <a:lstStyle/>
+          <a:p>
+            <a:pPr algn="ctr"/>
+            <a:r>
+              <a:rPr lang="en-US" sz="1300" b="1" dirty="0"/>
+              <a:t>University of Colorado</a:t>
+            </a:r>
+          </a:p>
+          <a:p>
+            <a:pPr algn="ctr"/>
+            <a:r>
+              <a:rPr lang="en-US" sz="1300" dirty="0"/>
+              <a:t>PhD, Computer Engineering</a:t>
+            </a:r>
+          </a:p>
+        </p:txBody>
+      </p:sp>
+      <p:sp>
+        <p:nvSpPr>
+          <p:cNvPr id="12" name="TextBox 11">
+            <a:extLst>
+              <a:ext uri="{FF2B5EF4-FFF2-40B4-BE49-F238E27FC236}">
+                <a16:creationId xmlns:a16="http://schemas.microsoft.com/office/drawing/2014/main" id="{364020CB-B8E9-4577-8309-02EFFC3DB9B3}"/>
+              </a:ext>
+            </a:extLst>
+          </p:cNvPr>
+          <p:cNvSpPr txBox="1"/>
+          <p:nvPr/>
+        </p:nvSpPr>
+        <p:spPr>
+          <a:xfrm>
+            <a:off x="6087861" y="5239143"/>
+            <a:ext cx="2034985" cy="692497"/>
+          </a:xfrm>
+          <a:prstGeom prst="rect">
+            <a:avLst/>
+          </a:prstGeom>
+          <a:noFill/>
+        </p:spPr>
+        <p:txBody>
+          <a:bodyPr wrap="square" rtlCol="0">
+            <a:spAutoFit/>
+          </a:bodyPr>
+          <a:lstStyle/>
+          <a:p>
+            <a:pPr algn="ctr"/>
+            <a:r>
+              <a:rPr lang="en-US" sz="1300" b="1" dirty="0"/>
+              <a:t>Cyber Protection Brigade </a:t>
+            </a:r>
+            <a:r>
+              <a:rPr lang="en-US" sz="1300" dirty="0"/>
+              <a:t>BDE Forensics &amp; Threat Analysis Officer</a:t>
+            </a:r>
+          </a:p>
+        </p:txBody>
+      </p:sp>
+      <p:cxnSp>
+        <p:nvCxnSpPr>
+          <p:cNvPr id="14" name="Straight Arrow Connector 13">
+            <a:extLst>
+              <a:ext uri="{FF2B5EF4-FFF2-40B4-BE49-F238E27FC236}">
+                <a16:creationId xmlns:a16="http://schemas.microsoft.com/office/drawing/2014/main" id="{A7027A2C-58B9-A503-B2D1-6295FEEAA0BF}"/>
+              </a:ext>
+            </a:extLst>
+          </p:cNvPr>
+          <p:cNvCxnSpPr>
+            <a:cxnSpLocks/>
+          </p:cNvCxnSpPr>
+          <p:nvPr/>
+        </p:nvCxnSpPr>
+        <p:spPr>
+          <a:xfrm>
+            <a:off x="1465690" y="4645566"/>
+            <a:ext cx="886900" cy="0"/>
+          </a:xfrm>
+          <a:prstGeom prst="straightConnector1">
+            <a:avLst/>
+          </a:prstGeom>
+          <a:ln w="63500">
+            <a:solidFill>
+              <a:schemeClr val="tx1"/>
+            </a:solidFill>
+            <a:tailEnd type="triangle"/>
+          </a:ln>
+        </p:spPr>
+        <p:style>
+          <a:lnRef idx="1">
+            <a:schemeClr val="accent1"/>
+          </a:lnRef>
+          <a:fillRef idx="0">
+            <a:schemeClr val="accent1"/>
+          </a:fillRef>
+          <a:effectRef idx="0">
+            <a:schemeClr val="accent1"/>
+          </a:effectRef>
+          <a:fontRef idx="minor">
+            <a:schemeClr val="tx1"/>
+          </a:fontRef>
+        </p:style>
+      </p:cxnSp>
+      <p:cxnSp>
+        <p:nvCxnSpPr>
+          <p:cNvPr id="16" name="Straight Arrow Connector 15">
+            <a:extLst>
+              <a:ext uri="{FF2B5EF4-FFF2-40B4-BE49-F238E27FC236}">
+                <a16:creationId xmlns:a16="http://schemas.microsoft.com/office/drawing/2014/main" id="{AFE51ABA-1D19-907E-EB29-3A4064707F71}"/>
+              </a:ext>
+            </a:extLst>
+          </p:cNvPr>
+          <p:cNvCxnSpPr>
+            <a:cxnSpLocks/>
+          </p:cNvCxnSpPr>
+          <p:nvPr/>
+        </p:nvCxnSpPr>
+        <p:spPr>
+          <a:xfrm>
+            <a:off x="3500675" y="4653587"/>
+            <a:ext cx="886900" cy="0"/>
+          </a:xfrm>
+          <a:prstGeom prst="straightConnector1">
+            <a:avLst/>
+          </a:prstGeom>
+          <a:ln w="63500">
+            <a:solidFill>
+              <a:schemeClr val="tx1"/>
+            </a:solidFill>
+            <a:tailEnd type="triangle"/>
+          </a:ln>
+        </p:spPr>
+        <p:style>
+          <a:lnRef idx="1">
+            <a:schemeClr val="accent1"/>
+          </a:lnRef>
+          <a:fillRef idx="0">
+            <a:schemeClr val="accent1"/>
+          </a:fillRef>
+          <a:effectRef idx="0">
+            <a:schemeClr val="accent1"/>
+          </a:effectRef>
+          <a:fontRef idx="minor">
+            <a:schemeClr val="tx1"/>
+          </a:fontRef>
+        </p:style>
+      </p:cxnSp>
+      <p:cxnSp>
+        <p:nvCxnSpPr>
+          <p:cNvPr id="17" name="Straight Arrow Connector 16">
+            <a:extLst>
+              <a:ext uri="{FF2B5EF4-FFF2-40B4-BE49-F238E27FC236}">
+                <a16:creationId xmlns:a16="http://schemas.microsoft.com/office/drawing/2014/main" id="{8668F2CA-8444-6FF0-E576-9F791BB888B7}"/>
+              </a:ext>
+            </a:extLst>
+          </p:cNvPr>
+          <p:cNvCxnSpPr>
+            <a:cxnSpLocks/>
+          </p:cNvCxnSpPr>
+          <p:nvPr/>
+        </p:nvCxnSpPr>
+        <p:spPr>
+          <a:xfrm>
+            <a:off x="5706764" y="4653587"/>
+            <a:ext cx="886900" cy="0"/>
+          </a:xfrm>
+          <a:prstGeom prst="straightConnector1">
+            <a:avLst/>
+          </a:prstGeom>
+          <a:ln w="63500">
+            <a:solidFill>
+              <a:schemeClr val="tx1"/>
+            </a:solidFill>
+            <a:tailEnd type="triangle"/>
+          </a:ln>
+        </p:spPr>
+        <p:style>
+          <a:lnRef idx="1">
+            <a:schemeClr val="accent1"/>
+          </a:lnRef>
+          <a:fillRef idx="0">
+            <a:schemeClr val="accent1"/>
+          </a:fillRef>
+          <a:effectRef idx="0">
+            <a:schemeClr val="accent1"/>
+          </a:effectRef>
+          <a:fontRef idx="minor">
+            <a:schemeClr val="tx1"/>
+          </a:fontRef>
+        </p:style>
+      </p:cxnSp>
+      <p:cxnSp>
+        <p:nvCxnSpPr>
+          <p:cNvPr id="18" name="Straight Arrow Connector 17">
+            <a:extLst>
+              <a:ext uri="{FF2B5EF4-FFF2-40B4-BE49-F238E27FC236}">
+                <a16:creationId xmlns:a16="http://schemas.microsoft.com/office/drawing/2014/main" id="{2668D21A-54F8-D330-96D4-9B41FDBB9751}"/>
+              </a:ext>
+            </a:extLst>
+          </p:cNvPr>
+          <p:cNvCxnSpPr>
+            <a:cxnSpLocks/>
+          </p:cNvCxnSpPr>
+          <p:nvPr/>
+        </p:nvCxnSpPr>
+        <p:spPr>
+          <a:xfrm>
+            <a:off x="7600752" y="4640403"/>
+            <a:ext cx="886900" cy="0"/>
+          </a:xfrm>
+          <a:prstGeom prst="straightConnector1">
+            <a:avLst/>
+          </a:prstGeom>
+          <a:ln w="63500">
+            <a:solidFill>
+              <a:schemeClr val="tx1"/>
+            </a:solidFill>
+            <a:tailEnd type="triangle"/>
+          </a:ln>
+        </p:spPr>
+        <p:style>
+          <a:lnRef idx="1">
+            <a:schemeClr val="accent1"/>
+          </a:lnRef>
+          <a:fillRef idx="0">
+            <a:schemeClr val="accent1"/>
+          </a:fillRef>
+          <a:effectRef idx="0">
+            <a:schemeClr val="accent1"/>
+          </a:effectRef>
+          <a:fontRef idx="minor">
+            <a:schemeClr val="tx1"/>
+          </a:fontRef>
+        </p:style>
+      </p:cxnSp>
+      <p:cxnSp>
+        <p:nvCxnSpPr>
+          <p:cNvPr id="19" name="Straight Arrow Connector 18">
+            <a:extLst>
+              <a:ext uri="{FF2B5EF4-FFF2-40B4-BE49-F238E27FC236}">
+                <a16:creationId xmlns:a16="http://schemas.microsoft.com/office/drawing/2014/main" id="{96B878EE-0D82-EACB-6668-00EC496B2E89}"/>
+              </a:ext>
+            </a:extLst>
+          </p:cNvPr>
+          <p:cNvCxnSpPr>
+            <a:cxnSpLocks/>
+          </p:cNvCxnSpPr>
+          <p:nvPr/>
+        </p:nvCxnSpPr>
+        <p:spPr>
+          <a:xfrm>
+            <a:off x="9738044" y="4653587"/>
+            <a:ext cx="886900" cy="0"/>
+          </a:xfrm>
+          <a:prstGeom prst="straightConnector1">
+            <a:avLst/>
+          </a:prstGeom>
+          <a:ln w="63500">
+            <a:solidFill>
+              <a:schemeClr val="tx1"/>
+            </a:solidFill>
+            <a:tailEnd type="triangle"/>
+          </a:ln>
+        </p:spPr>
+        <p:style>
+          <a:lnRef idx="1">
+            <a:schemeClr val="accent1"/>
+          </a:lnRef>
+          <a:fillRef idx="0">
+            <a:schemeClr val="accent1"/>
+          </a:fillRef>
+          <a:effectRef idx="0">
+            <a:schemeClr val="accent1"/>
+          </a:effectRef>
+          <a:fontRef idx="minor">
+            <a:schemeClr val="tx1"/>
+          </a:fontRef>
+        </p:style>
+      </p:cxnSp>
     </p:spTree>
     <p:extLst>
       <p:ext uri="{BB962C8B-B14F-4D97-AF65-F5344CB8AC3E}">
-        <p14:creationId xmlns:p14="http://schemas.microsoft.com/office/powerpoint/2010/main" val="1480485774"/>
+        <p14:creationId xmlns:p14="http://schemas.microsoft.com/office/powerpoint/2010/main" val="937418202"/>
       </p:ext>
     </p:extLst>
   </p:cSld>
